--- a/Jim’s Gym.pptx
+++ b/Jim’s Gym.pptx
@@ -7,13 +7,20 @@
   <p:sldIdLst>
     <p:sldId id="256" r:id="rId2"/>
     <p:sldId id="257" r:id="rId3"/>
-    <p:sldId id="260" r:id="rId4"/>
-    <p:sldId id="261" r:id="rId5"/>
-    <p:sldId id="262" r:id="rId6"/>
-    <p:sldId id="266" r:id="rId7"/>
-    <p:sldId id="263" r:id="rId8"/>
-    <p:sldId id="265" r:id="rId9"/>
-    <p:sldId id="267" r:id="rId10"/>
+    <p:sldId id="268" r:id="rId4"/>
+    <p:sldId id="260" r:id="rId5"/>
+    <p:sldId id="261" r:id="rId6"/>
+    <p:sldId id="262" r:id="rId7"/>
+    <p:sldId id="266" r:id="rId8"/>
+    <p:sldId id="263" r:id="rId9"/>
+    <p:sldId id="265" r:id="rId10"/>
+    <p:sldId id="271" r:id="rId11"/>
+    <p:sldId id="270" r:id="rId12"/>
+    <p:sldId id="275" r:id="rId13"/>
+    <p:sldId id="273" r:id="rId14"/>
+    <p:sldId id="277" r:id="rId15"/>
+    <p:sldId id="276" r:id="rId16"/>
+    <p:sldId id="269" r:id="rId17"/>
   </p:sldIdLst>
   <p:sldSz cx="12192000" cy="6858000"/>
   <p:notesSz cx="6858000" cy="9144000"/>
@@ -112,6 +119,11 @@
       </a:defRPr>
     </a:lvl9pPr>
   </p:defaultTextStyle>
+  <p:extLst>
+    <p:ext uri="{EFAFB233-063F-42B5-8137-9DF3F51BA10A}">
+      <p15:sldGuideLst xmlns="" xmlns:p15="http://schemas.microsoft.com/office/powerpoint/2012/main"/>
+    </p:ext>
+  </p:extLst>
 </p:presentation>
 </file>
 
@@ -141,7 +153,7 @@
           <p:cNvPr id="2" name="Title 1">
             <a:extLst>
               <a:ext uri="{FF2B5EF4-FFF2-40B4-BE49-F238E27FC236}">
-                <a16:creationId xmlns:a16="http://schemas.microsoft.com/office/drawing/2014/main" id="{4185ABF5-CB1E-425D-AF01-F7D9E44D4E4E}"/>
+                <a16:creationId xmlns="" xmlns:a16="http://schemas.microsoft.com/office/drawing/2014/main" id="{4185ABF5-CB1E-425D-AF01-F7D9E44D4E4E}"/>
               </a:ext>
             </a:extLst>
           </p:cNvPr>
@@ -179,7 +191,7 @@
           <p:cNvPr id="3" name="Subtitle 2">
             <a:extLst>
               <a:ext uri="{FF2B5EF4-FFF2-40B4-BE49-F238E27FC236}">
-                <a16:creationId xmlns:a16="http://schemas.microsoft.com/office/drawing/2014/main" id="{5D1BFC78-E6DB-4BE2-85B9-A3E49F7357B2}"/>
+                <a16:creationId xmlns="" xmlns:a16="http://schemas.microsoft.com/office/drawing/2014/main" id="{5D1BFC78-E6DB-4BE2-85B9-A3E49F7357B2}"/>
               </a:ext>
             </a:extLst>
           </p:cNvPr>
@@ -250,7 +262,7 @@
           <p:cNvPr id="4" name="Date Placeholder 3">
             <a:extLst>
               <a:ext uri="{FF2B5EF4-FFF2-40B4-BE49-F238E27FC236}">
-                <a16:creationId xmlns:a16="http://schemas.microsoft.com/office/drawing/2014/main" id="{63E332FE-70A7-4DE3-A962-C6CE7240772D}"/>
+                <a16:creationId xmlns="" xmlns:a16="http://schemas.microsoft.com/office/drawing/2014/main" id="{63E332FE-70A7-4DE3-A962-C6CE7240772D}"/>
               </a:ext>
             </a:extLst>
           </p:cNvPr>
@@ -268,7 +280,8 @@
           <a:p>
             <a:fld id="{3B6E2A2B-B77C-47A2-BEF7-FD0BF65ED261}" type="datetimeFigureOut">
               <a:rPr lang="en-IE" smtClean="0"/>
-              <a:t>22/09/2017</a:t>
+              <a:pPr/>
+              <a:t>22/09/17</a:t>
             </a:fld>
             <a:endParaRPr lang="en-IE"/>
           </a:p>
@@ -279,7 +292,7 @@
           <p:cNvPr id="5" name="Footer Placeholder 4">
             <a:extLst>
               <a:ext uri="{FF2B5EF4-FFF2-40B4-BE49-F238E27FC236}">
-                <a16:creationId xmlns:a16="http://schemas.microsoft.com/office/drawing/2014/main" id="{3F4C529A-86A6-4734-BC9A-55763A161E6D}"/>
+                <a16:creationId xmlns="" xmlns:a16="http://schemas.microsoft.com/office/drawing/2014/main" id="{3F4C529A-86A6-4734-BC9A-55763A161E6D}"/>
               </a:ext>
             </a:extLst>
           </p:cNvPr>
@@ -304,7 +317,7 @@
           <p:cNvPr id="6" name="Slide Number Placeholder 5">
             <a:extLst>
               <a:ext uri="{FF2B5EF4-FFF2-40B4-BE49-F238E27FC236}">
-                <a16:creationId xmlns:a16="http://schemas.microsoft.com/office/drawing/2014/main" id="{77FA8EDC-6C7B-48F3-AB75-C1EDF95870F5}"/>
+                <a16:creationId xmlns="" xmlns:a16="http://schemas.microsoft.com/office/drawing/2014/main" id="{77FA8EDC-6C7B-48F3-AB75-C1EDF95870F5}"/>
               </a:ext>
             </a:extLst>
           </p:cNvPr>
@@ -322,6 +335,7 @@
           <a:p>
             <a:fld id="{129E21AB-FB2D-4AEB-A490-A03FC1244160}" type="slidenum">
               <a:rPr lang="en-IE" smtClean="0"/>
+              <a:pPr/>
               <a:t>‹#›</a:t>
             </a:fld>
             <a:endParaRPr lang="en-IE"/>
@@ -331,7 +345,7 @@
     </p:spTree>
     <p:extLst>
       <p:ext uri="{BB962C8B-B14F-4D97-AF65-F5344CB8AC3E}">
-        <p14:creationId xmlns:p14="http://schemas.microsoft.com/office/powerpoint/2010/main" val="3907640882"/>
+        <p14:creationId xmlns="" xmlns:p14="http://schemas.microsoft.com/office/powerpoint/2010/main" val="3907640882"/>
       </p:ext>
     </p:extLst>
   </p:cSld>
@@ -363,7 +377,7 @@
           <p:cNvPr id="2" name="Title 1">
             <a:extLst>
               <a:ext uri="{FF2B5EF4-FFF2-40B4-BE49-F238E27FC236}">
-                <a16:creationId xmlns:a16="http://schemas.microsoft.com/office/drawing/2014/main" id="{2BF93774-34BE-4636-9630-3CFC14695B47}"/>
+                <a16:creationId xmlns="" xmlns:a16="http://schemas.microsoft.com/office/drawing/2014/main" id="{2BF93774-34BE-4636-9630-3CFC14695B47}"/>
               </a:ext>
             </a:extLst>
           </p:cNvPr>
@@ -392,7 +406,7 @@
           <p:cNvPr id="3" name="Vertical Text Placeholder 2">
             <a:extLst>
               <a:ext uri="{FF2B5EF4-FFF2-40B4-BE49-F238E27FC236}">
-                <a16:creationId xmlns:a16="http://schemas.microsoft.com/office/drawing/2014/main" id="{C6E955FD-64E7-4527-9188-0715830D82BF}"/>
+                <a16:creationId xmlns="" xmlns:a16="http://schemas.microsoft.com/office/drawing/2014/main" id="{C6E955FD-64E7-4527-9188-0715830D82BF}"/>
               </a:ext>
             </a:extLst>
           </p:cNvPr>
@@ -450,7 +464,7 @@
           <p:cNvPr id="4" name="Date Placeholder 3">
             <a:extLst>
               <a:ext uri="{FF2B5EF4-FFF2-40B4-BE49-F238E27FC236}">
-                <a16:creationId xmlns:a16="http://schemas.microsoft.com/office/drawing/2014/main" id="{7021A674-DFE9-45A7-9628-D123A6C801E3}"/>
+                <a16:creationId xmlns="" xmlns:a16="http://schemas.microsoft.com/office/drawing/2014/main" id="{7021A674-DFE9-45A7-9628-D123A6C801E3}"/>
               </a:ext>
             </a:extLst>
           </p:cNvPr>
@@ -468,7 +482,8 @@
           <a:p>
             <a:fld id="{3B6E2A2B-B77C-47A2-BEF7-FD0BF65ED261}" type="datetimeFigureOut">
               <a:rPr lang="en-IE" smtClean="0"/>
-              <a:t>22/09/2017</a:t>
+              <a:pPr/>
+              <a:t>22/09/17</a:t>
             </a:fld>
             <a:endParaRPr lang="en-IE"/>
           </a:p>
@@ -479,7 +494,7 @@
           <p:cNvPr id="5" name="Footer Placeholder 4">
             <a:extLst>
               <a:ext uri="{FF2B5EF4-FFF2-40B4-BE49-F238E27FC236}">
-                <a16:creationId xmlns:a16="http://schemas.microsoft.com/office/drawing/2014/main" id="{211BA0BC-9036-4108-9BD8-8D8A7EEFFFD2}"/>
+                <a16:creationId xmlns="" xmlns:a16="http://schemas.microsoft.com/office/drawing/2014/main" id="{211BA0BC-9036-4108-9BD8-8D8A7EEFFFD2}"/>
               </a:ext>
             </a:extLst>
           </p:cNvPr>
@@ -504,7 +519,7 @@
           <p:cNvPr id="6" name="Slide Number Placeholder 5">
             <a:extLst>
               <a:ext uri="{FF2B5EF4-FFF2-40B4-BE49-F238E27FC236}">
-                <a16:creationId xmlns:a16="http://schemas.microsoft.com/office/drawing/2014/main" id="{87048575-2501-4FA5-8147-BD9E6B9EB911}"/>
+                <a16:creationId xmlns="" xmlns:a16="http://schemas.microsoft.com/office/drawing/2014/main" id="{87048575-2501-4FA5-8147-BD9E6B9EB911}"/>
               </a:ext>
             </a:extLst>
           </p:cNvPr>
@@ -522,6 +537,7 @@
           <a:p>
             <a:fld id="{129E21AB-FB2D-4AEB-A490-A03FC1244160}" type="slidenum">
               <a:rPr lang="en-IE" smtClean="0"/>
+              <a:pPr/>
               <a:t>‹#›</a:t>
             </a:fld>
             <a:endParaRPr lang="en-IE"/>
@@ -531,7 +547,7 @@
     </p:spTree>
     <p:extLst>
       <p:ext uri="{BB962C8B-B14F-4D97-AF65-F5344CB8AC3E}">
-        <p14:creationId xmlns:p14="http://schemas.microsoft.com/office/powerpoint/2010/main" val="2189847117"/>
+        <p14:creationId xmlns="" xmlns:p14="http://schemas.microsoft.com/office/powerpoint/2010/main" val="2189847117"/>
       </p:ext>
     </p:extLst>
   </p:cSld>
@@ -563,7 +579,7 @@
           <p:cNvPr id="2" name="Vertical Title 1">
             <a:extLst>
               <a:ext uri="{FF2B5EF4-FFF2-40B4-BE49-F238E27FC236}">
-                <a16:creationId xmlns:a16="http://schemas.microsoft.com/office/drawing/2014/main" id="{7BC77DD5-8C0A-46B6-865D-E0ECD3D13D1B}"/>
+                <a16:creationId xmlns="" xmlns:a16="http://schemas.microsoft.com/office/drawing/2014/main" id="{7BC77DD5-8C0A-46B6-865D-E0ECD3D13D1B}"/>
               </a:ext>
             </a:extLst>
           </p:cNvPr>
@@ -597,7 +613,7 @@
           <p:cNvPr id="3" name="Vertical Text Placeholder 2">
             <a:extLst>
               <a:ext uri="{FF2B5EF4-FFF2-40B4-BE49-F238E27FC236}">
-                <a16:creationId xmlns:a16="http://schemas.microsoft.com/office/drawing/2014/main" id="{94B0C3B7-17E4-4687-A92E-B19180694657}"/>
+                <a16:creationId xmlns="" xmlns:a16="http://schemas.microsoft.com/office/drawing/2014/main" id="{94B0C3B7-17E4-4687-A92E-B19180694657}"/>
               </a:ext>
             </a:extLst>
           </p:cNvPr>
@@ -660,7 +676,7 @@
           <p:cNvPr id="4" name="Date Placeholder 3">
             <a:extLst>
               <a:ext uri="{FF2B5EF4-FFF2-40B4-BE49-F238E27FC236}">
-                <a16:creationId xmlns:a16="http://schemas.microsoft.com/office/drawing/2014/main" id="{29A1806D-C0E6-4AC2-B379-A242FD4E627C}"/>
+                <a16:creationId xmlns="" xmlns:a16="http://schemas.microsoft.com/office/drawing/2014/main" id="{29A1806D-C0E6-4AC2-B379-A242FD4E627C}"/>
               </a:ext>
             </a:extLst>
           </p:cNvPr>
@@ -678,7 +694,8 @@
           <a:p>
             <a:fld id="{3B6E2A2B-B77C-47A2-BEF7-FD0BF65ED261}" type="datetimeFigureOut">
               <a:rPr lang="en-IE" smtClean="0"/>
-              <a:t>22/09/2017</a:t>
+              <a:pPr/>
+              <a:t>22/09/17</a:t>
             </a:fld>
             <a:endParaRPr lang="en-IE"/>
           </a:p>
@@ -689,7 +706,7 @@
           <p:cNvPr id="5" name="Footer Placeholder 4">
             <a:extLst>
               <a:ext uri="{FF2B5EF4-FFF2-40B4-BE49-F238E27FC236}">
-                <a16:creationId xmlns:a16="http://schemas.microsoft.com/office/drawing/2014/main" id="{CBECB19B-C84E-4F52-A3C7-5657ABD9C817}"/>
+                <a16:creationId xmlns="" xmlns:a16="http://schemas.microsoft.com/office/drawing/2014/main" id="{CBECB19B-C84E-4F52-A3C7-5657ABD9C817}"/>
               </a:ext>
             </a:extLst>
           </p:cNvPr>
@@ -714,7 +731,7 @@
           <p:cNvPr id="6" name="Slide Number Placeholder 5">
             <a:extLst>
               <a:ext uri="{FF2B5EF4-FFF2-40B4-BE49-F238E27FC236}">
-                <a16:creationId xmlns:a16="http://schemas.microsoft.com/office/drawing/2014/main" id="{22CDD80D-C64B-4A92-8153-63AE689DBE2F}"/>
+                <a16:creationId xmlns="" xmlns:a16="http://schemas.microsoft.com/office/drawing/2014/main" id="{22CDD80D-C64B-4A92-8153-63AE689DBE2F}"/>
               </a:ext>
             </a:extLst>
           </p:cNvPr>
@@ -732,6 +749,7 @@
           <a:p>
             <a:fld id="{129E21AB-FB2D-4AEB-A490-A03FC1244160}" type="slidenum">
               <a:rPr lang="en-IE" smtClean="0"/>
+              <a:pPr/>
               <a:t>‹#›</a:t>
             </a:fld>
             <a:endParaRPr lang="en-IE"/>
@@ -741,7 +759,7 @@
     </p:spTree>
     <p:extLst>
       <p:ext uri="{BB962C8B-B14F-4D97-AF65-F5344CB8AC3E}">
-        <p14:creationId xmlns:p14="http://schemas.microsoft.com/office/powerpoint/2010/main" val="4172817061"/>
+        <p14:creationId xmlns="" xmlns:p14="http://schemas.microsoft.com/office/powerpoint/2010/main" val="4172817061"/>
       </p:ext>
     </p:extLst>
   </p:cSld>
@@ -773,7 +791,7 @@
           <p:cNvPr id="2" name="Title 1">
             <a:extLst>
               <a:ext uri="{FF2B5EF4-FFF2-40B4-BE49-F238E27FC236}">
-                <a16:creationId xmlns:a16="http://schemas.microsoft.com/office/drawing/2014/main" id="{EF292CC7-7DEF-4446-B8E9-749F90641F68}"/>
+                <a16:creationId xmlns="" xmlns:a16="http://schemas.microsoft.com/office/drawing/2014/main" id="{EF292CC7-7DEF-4446-B8E9-749F90641F68}"/>
               </a:ext>
             </a:extLst>
           </p:cNvPr>
@@ -802,7 +820,7 @@
           <p:cNvPr id="3" name="Content Placeholder 2">
             <a:extLst>
               <a:ext uri="{FF2B5EF4-FFF2-40B4-BE49-F238E27FC236}">
-                <a16:creationId xmlns:a16="http://schemas.microsoft.com/office/drawing/2014/main" id="{4A689E20-5C31-4EF2-9E47-2BF8D9E2F19F}"/>
+                <a16:creationId xmlns="" xmlns:a16="http://schemas.microsoft.com/office/drawing/2014/main" id="{4A689E20-5C31-4EF2-9E47-2BF8D9E2F19F}"/>
               </a:ext>
             </a:extLst>
           </p:cNvPr>
@@ -860,7 +878,7 @@
           <p:cNvPr id="4" name="Date Placeholder 3">
             <a:extLst>
               <a:ext uri="{FF2B5EF4-FFF2-40B4-BE49-F238E27FC236}">
-                <a16:creationId xmlns:a16="http://schemas.microsoft.com/office/drawing/2014/main" id="{15285A25-02AB-4366-8BA8-AB680D3459D8}"/>
+                <a16:creationId xmlns="" xmlns:a16="http://schemas.microsoft.com/office/drawing/2014/main" id="{15285A25-02AB-4366-8BA8-AB680D3459D8}"/>
               </a:ext>
             </a:extLst>
           </p:cNvPr>
@@ -878,7 +896,8 @@
           <a:p>
             <a:fld id="{3B6E2A2B-B77C-47A2-BEF7-FD0BF65ED261}" type="datetimeFigureOut">
               <a:rPr lang="en-IE" smtClean="0"/>
-              <a:t>22/09/2017</a:t>
+              <a:pPr/>
+              <a:t>22/09/17</a:t>
             </a:fld>
             <a:endParaRPr lang="en-IE"/>
           </a:p>
@@ -889,7 +908,7 @@
           <p:cNvPr id="5" name="Footer Placeholder 4">
             <a:extLst>
               <a:ext uri="{FF2B5EF4-FFF2-40B4-BE49-F238E27FC236}">
-                <a16:creationId xmlns:a16="http://schemas.microsoft.com/office/drawing/2014/main" id="{494BA90E-6254-46FE-878D-4E192A762DC5}"/>
+                <a16:creationId xmlns="" xmlns:a16="http://schemas.microsoft.com/office/drawing/2014/main" id="{494BA90E-6254-46FE-878D-4E192A762DC5}"/>
               </a:ext>
             </a:extLst>
           </p:cNvPr>
@@ -914,7 +933,7 @@
           <p:cNvPr id="6" name="Slide Number Placeholder 5">
             <a:extLst>
               <a:ext uri="{FF2B5EF4-FFF2-40B4-BE49-F238E27FC236}">
-                <a16:creationId xmlns:a16="http://schemas.microsoft.com/office/drawing/2014/main" id="{9DB4CA71-243F-4FD7-BF2E-0F8605D7D942}"/>
+                <a16:creationId xmlns="" xmlns:a16="http://schemas.microsoft.com/office/drawing/2014/main" id="{9DB4CA71-243F-4FD7-BF2E-0F8605D7D942}"/>
               </a:ext>
             </a:extLst>
           </p:cNvPr>
@@ -932,6 +951,7 @@
           <a:p>
             <a:fld id="{129E21AB-FB2D-4AEB-A490-A03FC1244160}" type="slidenum">
               <a:rPr lang="en-IE" smtClean="0"/>
+              <a:pPr/>
               <a:t>‹#›</a:t>
             </a:fld>
             <a:endParaRPr lang="en-IE"/>
@@ -941,7 +961,7 @@
     </p:spTree>
     <p:extLst>
       <p:ext uri="{BB962C8B-B14F-4D97-AF65-F5344CB8AC3E}">
-        <p14:creationId xmlns:p14="http://schemas.microsoft.com/office/powerpoint/2010/main" val="1924174625"/>
+        <p14:creationId xmlns="" xmlns:p14="http://schemas.microsoft.com/office/powerpoint/2010/main" val="1924174625"/>
       </p:ext>
     </p:extLst>
   </p:cSld>
@@ -973,7 +993,7 @@
           <p:cNvPr id="2" name="Title 1">
             <a:extLst>
               <a:ext uri="{FF2B5EF4-FFF2-40B4-BE49-F238E27FC236}">
-                <a16:creationId xmlns:a16="http://schemas.microsoft.com/office/drawing/2014/main" id="{D585BDC3-B35C-4A87-BB8F-2ED3CA9A1452}"/>
+                <a16:creationId xmlns="" xmlns:a16="http://schemas.microsoft.com/office/drawing/2014/main" id="{D585BDC3-B35C-4A87-BB8F-2ED3CA9A1452}"/>
               </a:ext>
             </a:extLst>
           </p:cNvPr>
@@ -1011,7 +1031,7 @@
           <p:cNvPr id="3" name="Text Placeholder 2">
             <a:extLst>
               <a:ext uri="{FF2B5EF4-FFF2-40B4-BE49-F238E27FC236}">
-                <a16:creationId xmlns:a16="http://schemas.microsoft.com/office/drawing/2014/main" id="{047225C5-0F82-4A25-86A4-39FF15E1EB93}"/>
+                <a16:creationId xmlns="" xmlns:a16="http://schemas.microsoft.com/office/drawing/2014/main" id="{047225C5-0F82-4A25-86A4-39FF15E1EB93}"/>
               </a:ext>
             </a:extLst>
           </p:cNvPr>
@@ -1136,7 +1156,7 @@
           <p:cNvPr id="4" name="Date Placeholder 3">
             <a:extLst>
               <a:ext uri="{FF2B5EF4-FFF2-40B4-BE49-F238E27FC236}">
-                <a16:creationId xmlns:a16="http://schemas.microsoft.com/office/drawing/2014/main" id="{2BD8BD2C-792F-49BE-9DF1-C8EC4AFFC5D3}"/>
+                <a16:creationId xmlns="" xmlns:a16="http://schemas.microsoft.com/office/drawing/2014/main" id="{2BD8BD2C-792F-49BE-9DF1-C8EC4AFFC5D3}"/>
               </a:ext>
             </a:extLst>
           </p:cNvPr>
@@ -1154,7 +1174,8 @@
           <a:p>
             <a:fld id="{3B6E2A2B-B77C-47A2-BEF7-FD0BF65ED261}" type="datetimeFigureOut">
               <a:rPr lang="en-IE" smtClean="0"/>
-              <a:t>22/09/2017</a:t>
+              <a:pPr/>
+              <a:t>22/09/17</a:t>
             </a:fld>
             <a:endParaRPr lang="en-IE"/>
           </a:p>
@@ -1165,7 +1186,7 @@
           <p:cNvPr id="5" name="Footer Placeholder 4">
             <a:extLst>
               <a:ext uri="{FF2B5EF4-FFF2-40B4-BE49-F238E27FC236}">
-                <a16:creationId xmlns:a16="http://schemas.microsoft.com/office/drawing/2014/main" id="{9FC9ECF6-7418-423F-8425-3D2C2343DBD6}"/>
+                <a16:creationId xmlns="" xmlns:a16="http://schemas.microsoft.com/office/drawing/2014/main" id="{9FC9ECF6-7418-423F-8425-3D2C2343DBD6}"/>
               </a:ext>
             </a:extLst>
           </p:cNvPr>
@@ -1190,7 +1211,7 @@
           <p:cNvPr id="6" name="Slide Number Placeholder 5">
             <a:extLst>
               <a:ext uri="{FF2B5EF4-FFF2-40B4-BE49-F238E27FC236}">
-                <a16:creationId xmlns:a16="http://schemas.microsoft.com/office/drawing/2014/main" id="{95BC79AA-2911-4091-A89E-0FA4A30FA742}"/>
+                <a16:creationId xmlns="" xmlns:a16="http://schemas.microsoft.com/office/drawing/2014/main" id="{95BC79AA-2911-4091-A89E-0FA4A30FA742}"/>
               </a:ext>
             </a:extLst>
           </p:cNvPr>
@@ -1208,6 +1229,7 @@
           <a:p>
             <a:fld id="{129E21AB-FB2D-4AEB-A490-A03FC1244160}" type="slidenum">
               <a:rPr lang="en-IE" smtClean="0"/>
+              <a:pPr/>
               <a:t>‹#›</a:t>
             </a:fld>
             <a:endParaRPr lang="en-IE"/>
@@ -1217,7 +1239,7 @@
     </p:spTree>
     <p:extLst>
       <p:ext uri="{BB962C8B-B14F-4D97-AF65-F5344CB8AC3E}">
-        <p14:creationId xmlns:p14="http://schemas.microsoft.com/office/powerpoint/2010/main" val="3260768055"/>
+        <p14:creationId xmlns="" xmlns:p14="http://schemas.microsoft.com/office/powerpoint/2010/main" val="3260768055"/>
       </p:ext>
     </p:extLst>
   </p:cSld>
@@ -1249,7 +1271,7 @@
           <p:cNvPr id="2" name="Title 1">
             <a:extLst>
               <a:ext uri="{FF2B5EF4-FFF2-40B4-BE49-F238E27FC236}">
-                <a16:creationId xmlns:a16="http://schemas.microsoft.com/office/drawing/2014/main" id="{1D82AC7F-749C-4CE5-A321-C4AEB9512B60}"/>
+                <a16:creationId xmlns="" xmlns:a16="http://schemas.microsoft.com/office/drawing/2014/main" id="{1D82AC7F-749C-4CE5-A321-C4AEB9512B60}"/>
               </a:ext>
             </a:extLst>
           </p:cNvPr>
@@ -1278,7 +1300,7 @@
           <p:cNvPr id="3" name="Content Placeholder 2">
             <a:extLst>
               <a:ext uri="{FF2B5EF4-FFF2-40B4-BE49-F238E27FC236}">
-                <a16:creationId xmlns:a16="http://schemas.microsoft.com/office/drawing/2014/main" id="{3D3F84F6-1C0A-4203-B517-FCA47276A997}"/>
+                <a16:creationId xmlns="" xmlns:a16="http://schemas.microsoft.com/office/drawing/2014/main" id="{3D3F84F6-1C0A-4203-B517-FCA47276A997}"/>
               </a:ext>
             </a:extLst>
           </p:cNvPr>
@@ -1341,7 +1363,7 @@
           <p:cNvPr id="4" name="Content Placeholder 3">
             <a:extLst>
               <a:ext uri="{FF2B5EF4-FFF2-40B4-BE49-F238E27FC236}">
-                <a16:creationId xmlns:a16="http://schemas.microsoft.com/office/drawing/2014/main" id="{13886E73-4E62-4FE8-A7A5-146C5AD66DC3}"/>
+                <a16:creationId xmlns="" xmlns:a16="http://schemas.microsoft.com/office/drawing/2014/main" id="{13886E73-4E62-4FE8-A7A5-146C5AD66DC3}"/>
               </a:ext>
             </a:extLst>
           </p:cNvPr>
@@ -1404,7 +1426,7 @@
           <p:cNvPr id="5" name="Date Placeholder 4">
             <a:extLst>
               <a:ext uri="{FF2B5EF4-FFF2-40B4-BE49-F238E27FC236}">
-                <a16:creationId xmlns:a16="http://schemas.microsoft.com/office/drawing/2014/main" id="{AF197E61-C2A5-4EF1-948E-A8E8A723293B}"/>
+                <a16:creationId xmlns="" xmlns:a16="http://schemas.microsoft.com/office/drawing/2014/main" id="{AF197E61-C2A5-4EF1-948E-A8E8A723293B}"/>
               </a:ext>
             </a:extLst>
           </p:cNvPr>
@@ -1422,7 +1444,8 @@
           <a:p>
             <a:fld id="{3B6E2A2B-B77C-47A2-BEF7-FD0BF65ED261}" type="datetimeFigureOut">
               <a:rPr lang="en-IE" smtClean="0"/>
-              <a:t>22/09/2017</a:t>
+              <a:pPr/>
+              <a:t>22/09/17</a:t>
             </a:fld>
             <a:endParaRPr lang="en-IE"/>
           </a:p>
@@ -1433,7 +1456,7 @@
           <p:cNvPr id="6" name="Footer Placeholder 5">
             <a:extLst>
               <a:ext uri="{FF2B5EF4-FFF2-40B4-BE49-F238E27FC236}">
-                <a16:creationId xmlns:a16="http://schemas.microsoft.com/office/drawing/2014/main" id="{AA887471-AF23-48B5-A927-B215BA34EDF4}"/>
+                <a16:creationId xmlns="" xmlns:a16="http://schemas.microsoft.com/office/drawing/2014/main" id="{AA887471-AF23-48B5-A927-B215BA34EDF4}"/>
               </a:ext>
             </a:extLst>
           </p:cNvPr>
@@ -1458,7 +1481,7 @@
           <p:cNvPr id="7" name="Slide Number Placeholder 6">
             <a:extLst>
               <a:ext uri="{FF2B5EF4-FFF2-40B4-BE49-F238E27FC236}">
-                <a16:creationId xmlns:a16="http://schemas.microsoft.com/office/drawing/2014/main" id="{4C11CB8E-07DA-4A11-8879-A0509B8EC074}"/>
+                <a16:creationId xmlns="" xmlns:a16="http://schemas.microsoft.com/office/drawing/2014/main" id="{4C11CB8E-07DA-4A11-8879-A0509B8EC074}"/>
               </a:ext>
             </a:extLst>
           </p:cNvPr>
@@ -1476,6 +1499,7 @@
           <a:p>
             <a:fld id="{129E21AB-FB2D-4AEB-A490-A03FC1244160}" type="slidenum">
               <a:rPr lang="en-IE" smtClean="0"/>
+              <a:pPr/>
               <a:t>‹#›</a:t>
             </a:fld>
             <a:endParaRPr lang="en-IE"/>
@@ -1485,7 +1509,7 @@
     </p:spTree>
     <p:extLst>
       <p:ext uri="{BB962C8B-B14F-4D97-AF65-F5344CB8AC3E}">
-        <p14:creationId xmlns:p14="http://schemas.microsoft.com/office/powerpoint/2010/main" val="2651780230"/>
+        <p14:creationId xmlns="" xmlns:p14="http://schemas.microsoft.com/office/powerpoint/2010/main" val="2651780230"/>
       </p:ext>
     </p:extLst>
   </p:cSld>
@@ -1517,7 +1541,7 @@
           <p:cNvPr id="2" name="Title 1">
             <a:extLst>
               <a:ext uri="{FF2B5EF4-FFF2-40B4-BE49-F238E27FC236}">
-                <a16:creationId xmlns:a16="http://schemas.microsoft.com/office/drawing/2014/main" id="{9F035078-1722-4FDA-815F-98B6C7D91566}"/>
+                <a16:creationId xmlns="" xmlns:a16="http://schemas.microsoft.com/office/drawing/2014/main" id="{9F035078-1722-4FDA-815F-98B6C7D91566}"/>
               </a:ext>
             </a:extLst>
           </p:cNvPr>
@@ -1551,7 +1575,7 @@
           <p:cNvPr id="3" name="Text Placeholder 2">
             <a:extLst>
               <a:ext uri="{FF2B5EF4-FFF2-40B4-BE49-F238E27FC236}">
-                <a16:creationId xmlns:a16="http://schemas.microsoft.com/office/drawing/2014/main" id="{0DAAF61D-B9E0-4462-9A22-3A341C28A90C}"/>
+                <a16:creationId xmlns="" xmlns:a16="http://schemas.microsoft.com/office/drawing/2014/main" id="{0DAAF61D-B9E0-4462-9A22-3A341C28A90C}"/>
               </a:ext>
             </a:extLst>
           </p:cNvPr>
@@ -1622,7 +1646,7 @@
           <p:cNvPr id="4" name="Content Placeholder 3">
             <a:extLst>
               <a:ext uri="{FF2B5EF4-FFF2-40B4-BE49-F238E27FC236}">
-                <a16:creationId xmlns:a16="http://schemas.microsoft.com/office/drawing/2014/main" id="{161A60D7-624B-42A9-BB8B-7488952B04A8}"/>
+                <a16:creationId xmlns="" xmlns:a16="http://schemas.microsoft.com/office/drawing/2014/main" id="{161A60D7-624B-42A9-BB8B-7488952B04A8}"/>
               </a:ext>
             </a:extLst>
           </p:cNvPr>
@@ -1685,7 +1709,7 @@
           <p:cNvPr id="5" name="Text Placeholder 4">
             <a:extLst>
               <a:ext uri="{FF2B5EF4-FFF2-40B4-BE49-F238E27FC236}">
-                <a16:creationId xmlns:a16="http://schemas.microsoft.com/office/drawing/2014/main" id="{779F52C0-A9DD-4D7D-AE6E-18F5A4C0C099}"/>
+                <a16:creationId xmlns="" xmlns:a16="http://schemas.microsoft.com/office/drawing/2014/main" id="{779F52C0-A9DD-4D7D-AE6E-18F5A4C0C099}"/>
               </a:ext>
             </a:extLst>
           </p:cNvPr>
@@ -1756,7 +1780,7 @@
           <p:cNvPr id="6" name="Content Placeholder 5">
             <a:extLst>
               <a:ext uri="{FF2B5EF4-FFF2-40B4-BE49-F238E27FC236}">
-                <a16:creationId xmlns:a16="http://schemas.microsoft.com/office/drawing/2014/main" id="{1BCFD8C5-7D96-42CA-B2A2-F99961F4E43A}"/>
+                <a16:creationId xmlns="" xmlns:a16="http://schemas.microsoft.com/office/drawing/2014/main" id="{1BCFD8C5-7D96-42CA-B2A2-F99961F4E43A}"/>
               </a:ext>
             </a:extLst>
           </p:cNvPr>
@@ -1819,7 +1843,7 @@
           <p:cNvPr id="7" name="Date Placeholder 6">
             <a:extLst>
               <a:ext uri="{FF2B5EF4-FFF2-40B4-BE49-F238E27FC236}">
-                <a16:creationId xmlns:a16="http://schemas.microsoft.com/office/drawing/2014/main" id="{E7990716-A325-4BA9-A721-EA19D57CCC1F}"/>
+                <a16:creationId xmlns="" xmlns:a16="http://schemas.microsoft.com/office/drawing/2014/main" id="{E7990716-A325-4BA9-A721-EA19D57CCC1F}"/>
               </a:ext>
             </a:extLst>
           </p:cNvPr>
@@ -1837,7 +1861,8 @@
           <a:p>
             <a:fld id="{3B6E2A2B-B77C-47A2-BEF7-FD0BF65ED261}" type="datetimeFigureOut">
               <a:rPr lang="en-IE" smtClean="0"/>
-              <a:t>22/09/2017</a:t>
+              <a:pPr/>
+              <a:t>22/09/17</a:t>
             </a:fld>
             <a:endParaRPr lang="en-IE"/>
           </a:p>
@@ -1848,7 +1873,7 @@
           <p:cNvPr id="8" name="Footer Placeholder 7">
             <a:extLst>
               <a:ext uri="{FF2B5EF4-FFF2-40B4-BE49-F238E27FC236}">
-                <a16:creationId xmlns:a16="http://schemas.microsoft.com/office/drawing/2014/main" id="{A97EFC65-757C-48DB-99D5-D6E86964D476}"/>
+                <a16:creationId xmlns="" xmlns:a16="http://schemas.microsoft.com/office/drawing/2014/main" id="{A97EFC65-757C-48DB-99D5-D6E86964D476}"/>
               </a:ext>
             </a:extLst>
           </p:cNvPr>
@@ -1873,7 +1898,7 @@
           <p:cNvPr id="9" name="Slide Number Placeholder 8">
             <a:extLst>
               <a:ext uri="{FF2B5EF4-FFF2-40B4-BE49-F238E27FC236}">
-                <a16:creationId xmlns:a16="http://schemas.microsoft.com/office/drawing/2014/main" id="{76D8E140-56E0-4501-99A7-CBB184FB68E5}"/>
+                <a16:creationId xmlns="" xmlns:a16="http://schemas.microsoft.com/office/drawing/2014/main" id="{76D8E140-56E0-4501-99A7-CBB184FB68E5}"/>
               </a:ext>
             </a:extLst>
           </p:cNvPr>
@@ -1891,6 +1916,7 @@
           <a:p>
             <a:fld id="{129E21AB-FB2D-4AEB-A490-A03FC1244160}" type="slidenum">
               <a:rPr lang="en-IE" smtClean="0"/>
+              <a:pPr/>
               <a:t>‹#›</a:t>
             </a:fld>
             <a:endParaRPr lang="en-IE"/>
@@ -1900,7 +1926,7 @@
     </p:spTree>
     <p:extLst>
       <p:ext uri="{BB962C8B-B14F-4D97-AF65-F5344CB8AC3E}">
-        <p14:creationId xmlns:p14="http://schemas.microsoft.com/office/powerpoint/2010/main" val="2406307980"/>
+        <p14:creationId xmlns="" xmlns:p14="http://schemas.microsoft.com/office/powerpoint/2010/main" val="2406307980"/>
       </p:ext>
     </p:extLst>
   </p:cSld>
@@ -1932,7 +1958,7 @@
           <p:cNvPr id="2" name="Title 1">
             <a:extLst>
               <a:ext uri="{FF2B5EF4-FFF2-40B4-BE49-F238E27FC236}">
-                <a16:creationId xmlns:a16="http://schemas.microsoft.com/office/drawing/2014/main" id="{2C00252A-A434-4BE0-B957-E786A84934C9}"/>
+                <a16:creationId xmlns="" xmlns:a16="http://schemas.microsoft.com/office/drawing/2014/main" id="{2C00252A-A434-4BE0-B957-E786A84934C9}"/>
               </a:ext>
             </a:extLst>
           </p:cNvPr>
@@ -1961,7 +1987,7 @@
           <p:cNvPr id="3" name="Date Placeholder 2">
             <a:extLst>
               <a:ext uri="{FF2B5EF4-FFF2-40B4-BE49-F238E27FC236}">
-                <a16:creationId xmlns:a16="http://schemas.microsoft.com/office/drawing/2014/main" id="{D267208D-64D9-4146-B927-36A11052C5C3}"/>
+                <a16:creationId xmlns="" xmlns:a16="http://schemas.microsoft.com/office/drawing/2014/main" id="{D267208D-64D9-4146-B927-36A11052C5C3}"/>
               </a:ext>
             </a:extLst>
           </p:cNvPr>
@@ -1979,7 +2005,8 @@
           <a:p>
             <a:fld id="{3B6E2A2B-B77C-47A2-BEF7-FD0BF65ED261}" type="datetimeFigureOut">
               <a:rPr lang="en-IE" smtClean="0"/>
-              <a:t>22/09/2017</a:t>
+              <a:pPr/>
+              <a:t>22/09/17</a:t>
             </a:fld>
             <a:endParaRPr lang="en-IE"/>
           </a:p>
@@ -1990,7 +2017,7 @@
           <p:cNvPr id="4" name="Footer Placeholder 3">
             <a:extLst>
               <a:ext uri="{FF2B5EF4-FFF2-40B4-BE49-F238E27FC236}">
-                <a16:creationId xmlns:a16="http://schemas.microsoft.com/office/drawing/2014/main" id="{4E2718B2-86B1-4148-B13E-FE744C76770F}"/>
+                <a16:creationId xmlns="" xmlns:a16="http://schemas.microsoft.com/office/drawing/2014/main" id="{4E2718B2-86B1-4148-B13E-FE744C76770F}"/>
               </a:ext>
             </a:extLst>
           </p:cNvPr>
@@ -2015,7 +2042,7 @@
           <p:cNvPr id="5" name="Slide Number Placeholder 4">
             <a:extLst>
               <a:ext uri="{FF2B5EF4-FFF2-40B4-BE49-F238E27FC236}">
-                <a16:creationId xmlns:a16="http://schemas.microsoft.com/office/drawing/2014/main" id="{30CDA9D2-DF8B-4A95-A9DB-54C8A6E0E57F}"/>
+                <a16:creationId xmlns="" xmlns:a16="http://schemas.microsoft.com/office/drawing/2014/main" id="{30CDA9D2-DF8B-4A95-A9DB-54C8A6E0E57F}"/>
               </a:ext>
             </a:extLst>
           </p:cNvPr>
@@ -2033,6 +2060,7 @@
           <a:p>
             <a:fld id="{129E21AB-FB2D-4AEB-A490-A03FC1244160}" type="slidenum">
               <a:rPr lang="en-IE" smtClean="0"/>
+              <a:pPr/>
               <a:t>‹#›</a:t>
             </a:fld>
             <a:endParaRPr lang="en-IE"/>
@@ -2042,7 +2070,7 @@
     </p:spTree>
     <p:extLst>
       <p:ext uri="{BB962C8B-B14F-4D97-AF65-F5344CB8AC3E}">
-        <p14:creationId xmlns:p14="http://schemas.microsoft.com/office/powerpoint/2010/main" val="2390727571"/>
+        <p14:creationId xmlns="" xmlns:p14="http://schemas.microsoft.com/office/powerpoint/2010/main" val="2390727571"/>
       </p:ext>
     </p:extLst>
   </p:cSld>
@@ -2074,7 +2102,7 @@
           <p:cNvPr id="2" name="Date Placeholder 1">
             <a:extLst>
               <a:ext uri="{FF2B5EF4-FFF2-40B4-BE49-F238E27FC236}">
-                <a16:creationId xmlns:a16="http://schemas.microsoft.com/office/drawing/2014/main" id="{15422018-3AD4-414A-8162-7BDBDDB89863}"/>
+                <a16:creationId xmlns="" xmlns:a16="http://schemas.microsoft.com/office/drawing/2014/main" id="{15422018-3AD4-414A-8162-7BDBDDB89863}"/>
               </a:ext>
             </a:extLst>
           </p:cNvPr>
@@ -2092,7 +2120,8 @@
           <a:p>
             <a:fld id="{3B6E2A2B-B77C-47A2-BEF7-FD0BF65ED261}" type="datetimeFigureOut">
               <a:rPr lang="en-IE" smtClean="0"/>
-              <a:t>22/09/2017</a:t>
+              <a:pPr/>
+              <a:t>22/09/17</a:t>
             </a:fld>
             <a:endParaRPr lang="en-IE"/>
           </a:p>
@@ -2103,7 +2132,7 @@
           <p:cNvPr id="3" name="Footer Placeholder 2">
             <a:extLst>
               <a:ext uri="{FF2B5EF4-FFF2-40B4-BE49-F238E27FC236}">
-                <a16:creationId xmlns:a16="http://schemas.microsoft.com/office/drawing/2014/main" id="{80A5B41F-8737-4301-8573-603E61668EE2}"/>
+                <a16:creationId xmlns="" xmlns:a16="http://schemas.microsoft.com/office/drawing/2014/main" id="{80A5B41F-8737-4301-8573-603E61668EE2}"/>
               </a:ext>
             </a:extLst>
           </p:cNvPr>
@@ -2128,7 +2157,7 @@
           <p:cNvPr id="4" name="Slide Number Placeholder 3">
             <a:extLst>
               <a:ext uri="{FF2B5EF4-FFF2-40B4-BE49-F238E27FC236}">
-                <a16:creationId xmlns:a16="http://schemas.microsoft.com/office/drawing/2014/main" id="{6FBA8ACF-7099-43BC-9A25-A3DC8940432B}"/>
+                <a16:creationId xmlns="" xmlns:a16="http://schemas.microsoft.com/office/drawing/2014/main" id="{6FBA8ACF-7099-43BC-9A25-A3DC8940432B}"/>
               </a:ext>
             </a:extLst>
           </p:cNvPr>
@@ -2146,6 +2175,7 @@
           <a:p>
             <a:fld id="{129E21AB-FB2D-4AEB-A490-A03FC1244160}" type="slidenum">
               <a:rPr lang="en-IE" smtClean="0"/>
+              <a:pPr/>
               <a:t>‹#›</a:t>
             </a:fld>
             <a:endParaRPr lang="en-IE"/>
@@ -2155,7 +2185,7 @@
     </p:spTree>
     <p:extLst>
       <p:ext uri="{BB962C8B-B14F-4D97-AF65-F5344CB8AC3E}">
-        <p14:creationId xmlns:p14="http://schemas.microsoft.com/office/powerpoint/2010/main" val="703682711"/>
+        <p14:creationId xmlns="" xmlns:p14="http://schemas.microsoft.com/office/powerpoint/2010/main" val="703682711"/>
       </p:ext>
     </p:extLst>
   </p:cSld>
@@ -2187,7 +2217,7 @@
           <p:cNvPr id="2" name="Title 1">
             <a:extLst>
               <a:ext uri="{FF2B5EF4-FFF2-40B4-BE49-F238E27FC236}">
-                <a16:creationId xmlns:a16="http://schemas.microsoft.com/office/drawing/2014/main" id="{53E5027F-29EF-4924-8C31-2624D7728CA4}"/>
+                <a16:creationId xmlns="" xmlns:a16="http://schemas.microsoft.com/office/drawing/2014/main" id="{53E5027F-29EF-4924-8C31-2624D7728CA4}"/>
               </a:ext>
             </a:extLst>
           </p:cNvPr>
@@ -2225,7 +2255,7 @@
           <p:cNvPr id="3" name="Content Placeholder 2">
             <a:extLst>
               <a:ext uri="{FF2B5EF4-FFF2-40B4-BE49-F238E27FC236}">
-                <a16:creationId xmlns:a16="http://schemas.microsoft.com/office/drawing/2014/main" id="{856C483D-CB08-4D2C-9C0B-70602E75D9D0}"/>
+                <a16:creationId xmlns="" xmlns:a16="http://schemas.microsoft.com/office/drawing/2014/main" id="{856C483D-CB08-4D2C-9C0B-70602E75D9D0}"/>
               </a:ext>
             </a:extLst>
           </p:cNvPr>
@@ -2316,7 +2346,7 @@
           <p:cNvPr id="4" name="Text Placeholder 3">
             <a:extLst>
               <a:ext uri="{FF2B5EF4-FFF2-40B4-BE49-F238E27FC236}">
-                <a16:creationId xmlns:a16="http://schemas.microsoft.com/office/drawing/2014/main" id="{9C00E873-E780-46F3-9475-27553D92A512}"/>
+                <a16:creationId xmlns="" xmlns:a16="http://schemas.microsoft.com/office/drawing/2014/main" id="{9C00E873-E780-46F3-9475-27553D92A512}"/>
               </a:ext>
             </a:extLst>
           </p:cNvPr>
@@ -2387,7 +2417,7 @@
           <p:cNvPr id="5" name="Date Placeholder 4">
             <a:extLst>
               <a:ext uri="{FF2B5EF4-FFF2-40B4-BE49-F238E27FC236}">
-                <a16:creationId xmlns:a16="http://schemas.microsoft.com/office/drawing/2014/main" id="{5E639F25-717E-4E6F-8F26-E8294D0B27B9}"/>
+                <a16:creationId xmlns="" xmlns:a16="http://schemas.microsoft.com/office/drawing/2014/main" id="{5E639F25-717E-4E6F-8F26-E8294D0B27B9}"/>
               </a:ext>
             </a:extLst>
           </p:cNvPr>
@@ -2405,7 +2435,8 @@
           <a:p>
             <a:fld id="{3B6E2A2B-B77C-47A2-BEF7-FD0BF65ED261}" type="datetimeFigureOut">
               <a:rPr lang="en-IE" smtClean="0"/>
-              <a:t>22/09/2017</a:t>
+              <a:pPr/>
+              <a:t>22/09/17</a:t>
             </a:fld>
             <a:endParaRPr lang="en-IE"/>
           </a:p>
@@ -2416,7 +2447,7 @@
           <p:cNvPr id="6" name="Footer Placeholder 5">
             <a:extLst>
               <a:ext uri="{FF2B5EF4-FFF2-40B4-BE49-F238E27FC236}">
-                <a16:creationId xmlns:a16="http://schemas.microsoft.com/office/drawing/2014/main" id="{FC387C6B-A38C-4901-902A-80C580BBA4B9}"/>
+                <a16:creationId xmlns="" xmlns:a16="http://schemas.microsoft.com/office/drawing/2014/main" id="{FC387C6B-A38C-4901-902A-80C580BBA4B9}"/>
               </a:ext>
             </a:extLst>
           </p:cNvPr>
@@ -2441,7 +2472,7 @@
           <p:cNvPr id="7" name="Slide Number Placeholder 6">
             <a:extLst>
               <a:ext uri="{FF2B5EF4-FFF2-40B4-BE49-F238E27FC236}">
-                <a16:creationId xmlns:a16="http://schemas.microsoft.com/office/drawing/2014/main" id="{4A8CE068-22BF-4A1C-87F4-1791D1FEA9DD}"/>
+                <a16:creationId xmlns="" xmlns:a16="http://schemas.microsoft.com/office/drawing/2014/main" id="{4A8CE068-22BF-4A1C-87F4-1791D1FEA9DD}"/>
               </a:ext>
             </a:extLst>
           </p:cNvPr>
@@ -2459,6 +2490,7 @@
           <a:p>
             <a:fld id="{129E21AB-FB2D-4AEB-A490-A03FC1244160}" type="slidenum">
               <a:rPr lang="en-IE" smtClean="0"/>
+              <a:pPr/>
               <a:t>‹#›</a:t>
             </a:fld>
             <a:endParaRPr lang="en-IE"/>
@@ -2468,7 +2500,7 @@
     </p:spTree>
     <p:extLst>
       <p:ext uri="{BB962C8B-B14F-4D97-AF65-F5344CB8AC3E}">
-        <p14:creationId xmlns:p14="http://schemas.microsoft.com/office/powerpoint/2010/main" val="3510130701"/>
+        <p14:creationId xmlns="" xmlns:p14="http://schemas.microsoft.com/office/powerpoint/2010/main" val="3510130701"/>
       </p:ext>
     </p:extLst>
   </p:cSld>
@@ -2500,7 +2532,7 @@
           <p:cNvPr id="2" name="Title 1">
             <a:extLst>
               <a:ext uri="{FF2B5EF4-FFF2-40B4-BE49-F238E27FC236}">
-                <a16:creationId xmlns:a16="http://schemas.microsoft.com/office/drawing/2014/main" id="{83F6C865-C9C7-4592-9697-E41D35177027}"/>
+                <a16:creationId xmlns="" xmlns:a16="http://schemas.microsoft.com/office/drawing/2014/main" id="{83F6C865-C9C7-4592-9697-E41D35177027}"/>
               </a:ext>
             </a:extLst>
           </p:cNvPr>
@@ -2538,7 +2570,7 @@
           <p:cNvPr id="3" name="Picture Placeholder 2">
             <a:extLst>
               <a:ext uri="{FF2B5EF4-FFF2-40B4-BE49-F238E27FC236}">
-                <a16:creationId xmlns:a16="http://schemas.microsoft.com/office/drawing/2014/main" id="{6C766F02-D9DA-4EB6-8F29-F4A66FA9B7EE}"/>
+                <a16:creationId xmlns="" xmlns:a16="http://schemas.microsoft.com/office/drawing/2014/main" id="{6C766F02-D9DA-4EB6-8F29-F4A66FA9B7EE}"/>
               </a:ext>
             </a:extLst>
           </p:cNvPr>
@@ -2605,7 +2637,7 @@
           <p:cNvPr id="4" name="Text Placeholder 3">
             <a:extLst>
               <a:ext uri="{FF2B5EF4-FFF2-40B4-BE49-F238E27FC236}">
-                <a16:creationId xmlns:a16="http://schemas.microsoft.com/office/drawing/2014/main" id="{1B5E0DFF-79CE-4EC4-A98E-C7D933B16565}"/>
+                <a16:creationId xmlns="" xmlns:a16="http://schemas.microsoft.com/office/drawing/2014/main" id="{1B5E0DFF-79CE-4EC4-A98E-C7D933B16565}"/>
               </a:ext>
             </a:extLst>
           </p:cNvPr>
@@ -2676,7 +2708,7 @@
           <p:cNvPr id="5" name="Date Placeholder 4">
             <a:extLst>
               <a:ext uri="{FF2B5EF4-FFF2-40B4-BE49-F238E27FC236}">
-                <a16:creationId xmlns:a16="http://schemas.microsoft.com/office/drawing/2014/main" id="{30565293-3CA0-4D73-AC02-F4ADAE1A6E81}"/>
+                <a16:creationId xmlns="" xmlns:a16="http://schemas.microsoft.com/office/drawing/2014/main" id="{30565293-3CA0-4D73-AC02-F4ADAE1A6E81}"/>
               </a:ext>
             </a:extLst>
           </p:cNvPr>
@@ -2694,7 +2726,8 @@
           <a:p>
             <a:fld id="{3B6E2A2B-B77C-47A2-BEF7-FD0BF65ED261}" type="datetimeFigureOut">
               <a:rPr lang="en-IE" smtClean="0"/>
-              <a:t>22/09/2017</a:t>
+              <a:pPr/>
+              <a:t>22/09/17</a:t>
             </a:fld>
             <a:endParaRPr lang="en-IE"/>
           </a:p>
@@ -2705,7 +2738,7 @@
           <p:cNvPr id="6" name="Footer Placeholder 5">
             <a:extLst>
               <a:ext uri="{FF2B5EF4-FFF2-40B4-BE49-F238E27FC236}">
-                <a16:creationId xmlns:a16="http://schemas.microsoft.com/office/drawing/2014/main" id="{B43273C5-0EFF-4DEA-9CE5-C689BB9B3CE6}"/>
+                <a16:creationId xmlns="" xmlns:a16="http://schemas.microsoft.com/office/drawing/2014/main" id="{B43273C5-0EFF-4DEA-9CE5-C689BB9B3CE6}"/>
               </a:ext>
             </a:extLst>
           </p:cNvPr>
@@ -2730,7 +2763,7 @@
           <p:cNvPr id="7" name="Slide Number Placeholder 6">
             <a:extLst>
               <a:ext uri="{FF2B5EF4-FFF2-40B4-BE49-F238E27FC236}">
-                <a16:creationId xmlns:a16="http://schemas.microsoft.com/office/drawing/2014/main" id="{82C016B7-7F3E-4033-884D-3311917A6BEF}"/>
+                <a16:creationId xmlns="" xmlns:a16="http://schemas.microsoft.com/office/drawing/2014/main" id="{82C016B7-7F3E-4033-884D-3311917A6BEF}"/>
               </a:ext>
             </a:extLst>
           </p:cNvPr>
@@ -2748,6 +2781,7 @@
           <a:p>
             <a:fld id="{129E21AB-FB2D-4AEB-A490-A03FC1244160}" type="slidenum">
               <a:rPr lang="en-IE" smtClean="0"/>
+              <a:pPr/>
               <a:t>‹#›</a:t>
             </a:fld>
             <a:endParaRPr lang="en-IE"/>
@@ -2757,7 +2791,7 @@
     </p:spTree>
     <p:extLst>
       <p:ext uri="{BB962C8B-B14F-4D97-AF65-F5344CB8AC3E}">
-        <p14:creationId xmlns:p14="http://schemas.microsoft.com/office/powerpoint/2010/main" val="1871401435"/>
+        <p14:creationId xmlns="" xmlns:p14="http://schemas.microsoft.com/office/powerpoint/2010/main" val="1871401435"/>
       </p:ext>
     </p:extLst>
   </p:cSld>
@@ -2794,7 +2828,7 @@
           <p:cNvPr id="2" name="Title Placeholder 1">
             <a:extLst>
               <a:ext uri="{FF2B5EF4-FFF2-40B4-BE49-F238E27FC236}">
-                <a16:creationId xmlns:a16="http://schemas.microsoft.com/office/drawing/2014/main" id="{A6AACDFA-EF58-4E6D-8294-DA3D46AE5527}"/>
+                <a16:creationId xmlns="" xmlns:a16="http://schemas.microsoft.com/office/drawing/2014/main" id="{A6AACDFA-EF58-4E6D-8294-DA3D46AE5527}"/>
               </a:ext>
             </a:extLst>
           </p:cNvPr>
@@ -2833,7 +2867,7 @@
           <p:cNvPr id="3" name="Text Placeholder 2">
             <a:extLst>
               <a:ext uri="{FF2B5EF4-FFF2-40B4-BE49-F238E27FC236}">
-                <a16:creationId xmlns:a16="http://schemas.microsoft.com/office/drawing/2014/main" id="{5F7B63C4-913D-46E5-A1E0-42EFC4A7ECBD}"/>
+                <a16:creationId xmlns="" xmlns:a16="http://schemas.microsoft.com/office/drawing/2014/main" id="{5F7B63C4-913D-46E5-A1E0-42EFC4A7ECBD}"/>
               </a:ext>
             </a:extLst>
           </p:cNvPr>
@@ -2901,7 +2935,7 @@
           <p:cNvPr id="4" name="Date Placeholder 3">
             <a:extLst>
               <a:ext uri="{FF2B5EF4-FFF2-40B4-BE49-F238E27FC236}">
-                <a16:creationId xmlns:a16="http://schemas.microsoft.com/office/drawing/2014/main" id="{6BF2C5BB-2981-4B13-AC16-C6832EF8AEFF}"/>
+                <a16:creationId xmlns="" xmlns:a16="http://schemas.microsoft.com/office/drawing/2014/main" id="{6BF2C5BB-2981-4B13-AC16-C6832EF8AEFF}"/>
               </a:ext>
             </a:extLst>
           </p:cNvPr>
@@ -2937,7 +2971,8 @@
           <a:p>
             <a:fld id="{3B6E2A2B-B77C-47A2-BEF7-FD0BF65ED261}" type="datetimeFigureOut">
               <a:rPr lang="en-IE" smtClean="0"/>
-              <a:t>22/09/2017</a:t>
+              <a:pPr/>
+              <a:t>22/09/17</a:t>
             </a:fld>
             <a:endParaRPr lang="en-IE"/>
           </a:p>
@@ -2948,7 +2983,7 @@
           <p:cNvPr id="5" name="Footer Placeholder 4">
             <a:extLst>
               <a:ext uri="{FF2B5EF4-FFF2-40B4-BE49-F238E27FC236}">
-                <a16:creationId xmlns:a16="http://schemas.microsoft.com/office/drawing/2014/main" id="{D2E882FA-F25F-44C0-9AD4-EB334CF806AC}"/>
+                <a16:creationId xmlns="" xmlns:a16="http://schemas.microsoft.com/office/drawing/2014/main" id="{D2E882FA-F25F-44C0-9AD4-EB334CF806AC}"/>
               </a:ext>
             </a:extLst>
           </p:cNvPr>
@@ -2991,7 +3026,7 @@
           <p:cNvPr id="6" name="Slide Number Placeholder 5">
             <a:extLst>
               <a:ext uri="{FF2B5EF4-FFF2-40B4-BE49-F238E27FC236}">
-                <a16:creationId xmlns:a16="http://schemas.microsoft.com/office/drawing/2014/main" id="{EEDBCC0C-C8C8-41F7-8928-569F2073725B}"/>
+                <a16:creationId xmlns="" xmlns:a16="http://schemas.microsoft.com/office/drawing/2014/main" id="{EEDBCC0C-C8C8-41F7-8928-569F2073725B}"/>
               </a:ext>
             </a:extLst>
           </p:cNvPr>
@@ -3027,6 +3062,7 @@
           <a:p>
             <a:fld id="{129E21AB-FB2D-4AEB-A490-A03FC1244160}" type="slidenum">
               <a:rPr lang="en-IE" smtClean="0"/>
+              <a:pPr/>
               <a:t>‹#›</a:t>
             </a:fld>
             <a:endParaRPr lang="en-IE"/>
@@ -3036,7 +3072,7 @@
     </p:spTree>
     <p:extLst>
       <p:ext uri="{BB962C8B-B14F-4D97-AF65-F5344CB8AC3E}">
-        <p14:creationId xmlns:p14="http://schemas.microsoft.com/office/powerpoint/2010/main" val="323120189"/>
+        <p14:creationId xmlns="" xmlns:p14="http://schemas.microsoft.com/office/powerpoint/2010/main" val="323120189"/>
       </p:ext>
     </p:extLst>
   </p:cSld>
@@ -3359,7 +3395,7 @@
           <p:cNvPr id="2" name="Title 1">
             <a:extLst>
               <a:ext uri="{FF2B5EF4-FFF2-40B4-BE49-F238E27FC236}">
-                <a16:creationId xmlns:a16="http://schemas.microsoft.com/office/drawing/2014/main" id="{4E4991D3-52E5-495D-870A-59EFBE21C957}"/>
+                <a16:creationId xmlns="" xmlns:a16="http://schemas.microsoft.com/office/drawing/2014/main" id="{4E4991D3-52E5-495D-870A-59EFBE21C957}"/>
               </a:ext>
             </a:extLst>
           </p:cNvPr>
@@ -3370,7 +3406,12 @@
             <p:ph type="ctrTitle"/>
           </p:nvPr>
         </p:nvSpPr>
-        <p:spPr/>
+        <p:spPr>
+          <a:xfrm>
+            <a:off x="1459454" y="2722563"/>
+            <a:ext cx="9144000" cy="2387600"/>
+          </a:xfrm>
+        </p:spPr>
         <p:txBody>
           <a:bodyPr/>
           <a:lstStyle/>
@@ -3387,7 +3428,7 @@
           <p:cNvPr id="3" name="Subtitle 2">
             <a:extLst>
               <a:ext uri="{FF2B5EF4-FFF2-40B4-BE49-F238E27FC236}">
-                <a16:creationId xmlns:a16="http://schemas.microsoft.com/office/drawing/2014/main" id="{FF731CB6-6726-44CF-B22E-390032507E21}"/>
+                <a16:creationId xmlns="" xmlns:a16="http://schemas.microsoft.com/office/drawing/2014/main" id="{FF731CB6-6726-44CF-B22E-390032507E21}"/>
               </a:ext>
             </a:extLst>
           </p:cNvPr>
@@ -3398,7 +3439,12 @@
             <p:ph type="subTitle" idx="1"/>
           </p:nvPr>
         </p:nvSpPr>
-        <p:spPr/>
+        <p:spPr>
+          <a:xfrm>
+            <a:off x="1459454" y="5202238"/>
+            <a:ext cx="9144000" cy="1655762"/>
+          </a:xfrm>
+        </p:spPr>
         <p:txBody>
           <a:bodyPr/>
           <a:lstStyle/>
@@ -3410,10 +3456,1463 @@
           </a:p>
         </p:txBody>
       </p:sp>
+      <p:sp>
+        <p:nvSpPr>
+          <p:cNvPr id="4" name="TextBox 3"/>
+          <p:cNvSpPr txBox="1"/>
+          <p:nvPr/>
+        </p:nvSpPr>
+        <p:spPr>
+          <a:xfrm>
+            <a:off x="5138075" y="5709745"/>
+            <a:ext cx="1784976" cy="923330"/>
+          </a:xfrm>
+          <a:prstGeom prst="rect">
+            <a:avLst/>
+          </a:prstGeom>
+          <a:noFill/>
+        </p:spPr>
+        <p:txBody>
+          <a:bodyPr wrap="none" rtlCol="0">
+            <a:spAutoFit/>
+          </a:bodyPr>
+          <a:lstStyle/>
+          <a:p>
+            <a:r>
+              <a:rPr lang="en-IE" dirty="0" smtClean="0"/>
+              <a:t>Martin McCarthy</a:t>
+            </a:r>
+          </a:p>
+          <a:p>
+            <a:r>
+              <a:rPr lang="en-IE" dirty="0" smtClean="0"/>
+              <a:t>Carl Taylor</a:t>
+            </a:r>
+          </a:p>
+          <a:p>
+            <a:r>
+              <a:rPr lang="en-US" dirty="0" smtClean="0"/>
+              <a:t>Felix Ogiehor</a:t>
+            </a:r>
+            <a:endParaRPr lang="en-US" dirty="0"/>
+          </a:p>
+        </p:txBody>
+      </p:sp>
+      <p:pic>
+        <p:nvPicPr>
+          <p:cNvPr id="4098" name="Picture 2"/>
+          <p:cNvPicPr>
+            <a:picLocks noChangeAspect="1" noChangeArrowheads="1"/>
+          </p:cNvPicPr>
+          <p:nvPr/>
+        </p:nvPicPr>
+        <p:blipFill>
+          <a:blip r:embed="rId2"/>
+          <a:srcRect/>
+          <a:stretch>
+            <a:fillRect/>
+          </a:stretch>
+        </p:blipFill>
+        <p:spPr bwMode="auto">
+          <a:xfrm>
+            <a:off x="-1168" y="0"/>
+            <a:ext cx="12193168" cy="3899338"/>
+          </a:xfrm>
+          <a:prstGeom prst="rect">
+            <a:avLst/>
+          </a:prstGeom>
+          <a:noFill/>
+          <a:ln w="9525">
+            <a:noFill/>
+            <a:miter lim="800000"/>
+            <a:headEnd/>
+            <a:tailEnd/>
+          </a:ln>
+          <a:effectLst/>
+        </p:spPr>
+      </p:pic>
     </p:spTree>
     <p:extLst>
       <p:ext uri="{BB962C8B-B14F-4D97-AF65-F5344CB8AC3E}">
-        <p14:creationId xmlns:p14="http://schemas.microsoft.com/office/powerpoint/2010/main" val="1885372853"/>
+        <p14:creationId xmlns="" xmlns:p14="http://schemas.microsoft.com/office/powerpoint/2010/main" val="1885372853"/>
+      </p:ext>
+    </p:extLst>
+  </p:cSld>
+  <p:clrMapOvr>
+    <a:masterClrMapping/>
+  </p:clrMapOvr>
+</p:sld>
+</file>
+
+<file path=ppt/slides/slide10.xml><?xml version="1.0" encoding="utf-8"?>
+<p:sld xmlns:a="http://schemas.openxmlformats.org/drawingml/2006/main" xmlns:r="http://schemas.openxmlformats.org/officeDocument/2006/relationships" xmlns:p="http://schemas.openxmlformats.org/presentationml/2006/main">
+  <p:cSld>
+    <p:spTree>
+      <p:nvGrpSpPr>
+        <p:cNvPr id="1" name=""/>
+        <p:cNvGrpSpPr/>
+        <p:nvPr/>
+      </p:nvGrpSpPr>
+      <p:grpSpPr>
+        <a:xfrm>
+          <a:off x="0" y="0"/>
+          <a:ext cx="0" cy="0"/>
+          <a:chOff x="0" y="0"/>
+          <a:chExt cx="0" cy="0"/>
+        </a:xfrm>
+      </p:grpSpPr>
+      <p:sp>
+        <p:nvSpPr>
+          <p:cNvPr id="2" name="Title 1"/>
+          <p:cNvSpPr>
+            <a:spLocks noGrp="1"/>
+          </p:cNvSpPr>
+          <p:nvPr>
+            <p:ph type="title"/>
+          </p:nvPr>
+        </p:nvSpPr>
+        <p:spPr/>
+        <p:txBody>
+          <a:bodyPr/>
+          <a:lstStyle/>
+          <a:p>
+            <a:pPr algn="ctr"/>
+            <a:r>
+              <a:rPr lang="en-IE" dirty="0" smtClean="0"/>
+              <a:t>The ERD</a:t>
+            </a:r>
+            <a:endParaRPr lang="en-US" dirty="0"/>
+          </a:p>
+        </p:txBody>
+      </p:sp>
+      <p:pic>
+        <p:nvPicPr>
+          <p:cNvPr id="1026" name="Picture 2"/>
+          <p:cNvPicPr>
+            <a:picLocks noGrp="1" noChangeAspect="1" noChangeArrowheads="1"/>
+          </p:cNvPicPr>
+          <p:nvPr>
+            <p:ph idx="1"/>
+          </p:nvPr>
+        </p:nvPicPr>
+        <p:blipFill>
+          <a:blip r:embed="rId2"/>
+          <a:srcRect/>
+          <a:stretch>
+            <a:fillRect/>
+          </a:stretch>
+        </p:blipFill>
+        <p:spPr bwMode="auto">
+          <a:xfrm>
+            <a:off x="3514506" y="1825625"/>
+            <a:ext cx="5162987" cy="4351338"/>
+          </a:xfrm>
+          <a:prstGeom prst="rect">
+            <a:avLst/>
+          </a:prstGeom>
+          <a:noFill/>
+          <a:ln w="9525">
+            <a:noFill/>
+            <a:miter lim="800000"/>
+            <a:headEnd/>
+            <a:tailEnd/>
+          </a:ln>
+          <a:effectLst/>
+        </p:spPr>
+      </p:pic>
+      <p:sp>
+        <p:nvSpPr>
+          <p:cNvPr id="5" name="TextBox 4"/>
+          <p:cNvSpPr txBox="1"/>
+          <p:nvPr/>
+        </p:nvSpPr>
+        <p:spPr>
+          <a:xfrm>
+            <a:off x="546538" y="3762703"/>
+            <a:ext cx="1597572" cy="2585323"/>
+          </a:xfrm>
+          <a:prstGeom prst="rect">
+            <a:avLst/>
+          </a:prstGeom>
+          <a:noFill/>
+        </p:spPr>
+        <p:txBody>
+          <a:bodyPr wrap="square" rtlCol="0">
+            <a:spAutoFit/>
+          </a:bodyPr>
+          <a:lstStyle/>
+          <a:p>
+            <a:r>
+              <a:rPr lang="en-IE" dirty="0" smtClean="0"/>
+              <a:t>Planning the structure of foreign keys was the most important part. We figured this out towards the end!</a:t>
+            </a:r>
+            <a:endParaRPr lang="en-US" dirty="0"/>
+          </a:p>
+        </p:txBody>
+      </p:sp>
+      <p:cxnSp>
+        <p:nvCxnSpPr>
+          <p:cNvPr id="7" name="Straight Arrow Connector 6"/>
+          <p:cNvCxnSpPr/>
+          <p:nvPr/>
+        </p:nvCxnSpPr>
+        <p:spPr>
+          <a:xfrm flipV="1">
+            <a:off x="2091559" y="3520966"/>
+            <a:ext cx="1397875" cy="1145627"/>
+          </a:xfrm>
+          <a:prstGeom prst="straightConnector1">
+            <a:avLst/>
+          </a:prstGeom>
+          <a:ln w="38100">
+            <a:tailEnd type="arrow"/>
+          </a:ln>
+        </p:spPr>
+        <p:style>
+          <a:lnRef idx="1">
+            <a:schemeClr val="dk1"/>
+          </a:lnRef>
+          <a:fillRef idx="0">
+            <a:schemeClr val="dk1"/>
+          </a:fillRef>
+          <a:effectRef idx="0">
+            <a:schemeClr val="dk1"/>
+          </a:effectRef>
+          <a:fontRef idx="minor">
+            <a:schemeClr val="tx1"/>
+          </a:fontRef>
+        </p:style>
+      </p:cxnSp>
+      <p:sp>
+        <p:nvSpPr>
+          <p:cNvPr id="9" name="TextBox 8"/>
+          <p:cNvSpPr txBox="1"/>
+          <p:nvPr/>
+        </p:nvSpPr>
+        <p:spPr>
+          <a:xfrm>
+            <a:off x="9895490" y="688427"/>
+            <a:ext cx="1597572" cy="2585323"/>
+          </a:xfrm>
+          <a:prstGeom prst="rect">
+            <a:avLst/>
+          </a:prstGeom>
+          <a:noFill/>
+        </p:spPr>
+        <p:txBody>
+          <a:bodyPr wrap="square" rtlCol="0">
+            <a:spAutoFit/>
+          </a:bodyPr>
+          <a:lstStyle/>
+          <a:p>
+            <a:r>
+              <a:rPr lang="en-IE" dirty="0" smtClean="0"/>
+              <a:t>We created the trainer table first as this required no foreign keys. Then we worked backwards from there</a:t>
+            </a:r>
+            <a:endParaRPr lang="en-US" dirty="0"/>
+          </a:p>
+        </p:txBody>
+      </p:sp>
+      <p:cxnSp>
+        <p:nvCxnSpPr>
+          <p:cNvPr id="10" name="Straight Arrow Connector 9"/>
+          <p:cNvCxnSpPr/>
+          <p:nvPr/>
+        </p:nvCxnSpPr>
+        <p:spPr>
+          <a:xfrm rot="5400000">
+            <a:off x="8029906" y="3005960"/>
+            <a:ext cx="2312272" cy="1429406"/>
+          </a:xfrm>
+          <a:prstGeom prst="straightConnector1">
+            <a:avLst/>
+          </a:prstGeom>
+          <a:ln w="38100">
+            <a:tailEnd type="arrow"/>
+          </a:ln>
+        </p:spPr>
+        <p:style>
+          <a:lnRef idx="1">
+            <a:schemeClr val="dk1"/>
+          </a:lnRef>
+          <a:fillRef idx="0">
+            <a:schemeClr val="dk1"/>
+          </a:fillRef>
+          <a:effectRef idx="0">
+            <a:schemeClr val="dk1"/>
+          </a:effectRef>
+          <a:fontRef idx="minor">
+            <a:schemeClr val="tx1"/>
+          </a:fontRef>
+        </p:style>
+      </p:cxnSp>
+    </p:spTree>
+  </p:cSld>
+  <p:clrMapOvr>
+    <a:masterClrMapping/>
+  </p:clrMapOvr>
+</p:sld>
+</file>
+
+<file path=ppt/slides/slide11.xml><?xml version="1.0" encoding="utf-8"?>
+<p:sld xmlns:a="http://schemas.openxmlformats.org/drawingml/2006/main" xmlns:r="http://schemas.openxmlformats.org/officeDocument/2006/relationships" xmlns:p="http://schemas.openxmlformats.org/presentationml/2006/main">
+  <p:cSld>
+    <p:spTree>
+      <p:nvGrpSpPr>
+        <p:cNvPr id="1" name=""/>
+        <p:cNvGrpSpPr/>
+        <p:nvPr/>
+      </p:nvGrpSpPr>
+      <p:grpSpPr>
+        <a:xfrm>
+          <a:off x="0" y="0"/>
+          <a:ext cx="0" cy="0"/>
+          <a:chOff x="0" y="0"/>
+          <a:chExt cx="0" cy="0"/>
+        </a:xfrm>
+      </p:grpSpPr>
+      <p:sp>
+        <p:nvSpPr>
+          <p:cNvPr id="2" name="Title 1"/>
+          <p:cNvSpPr>
+            <a:spLocks noGrp="1"/>
+          </p:cNvSpPr>
+          <p:nvPr>
+            <p:ph type="title"/>
+          </p:nvPr>
+        </p:nvSpPr>
+        <p:spPr/>
+        <p:txBody>
+          <a:bodyPr/>
+          <a:lstStyle/>
+          <a:p>
+            <a:pPr algn="ctr"/>
+            <a:r>
+              <a:rPr lang="en-IE" dirty="0" smtClean="0"/>
+              <a:t>Dynamic Web Pages</a:t>
+            </a:r>
+            <a:endParaRPr lang="en-US" dirty="0"/>
+          </a:p>
+        </p:txBody>
+      </p:sp>
+      <p:pic>
+        <p:nvPicPr>
+          <p:cNvPr id="2050" name="Picture 2"/>
+          <p:cNvPicPr>
+            <a:picLocks noGrp="1" noChangeAspect="1" noChangeArrowheads="1"/>
+          </p:cNvPicPr>
+          <p:nvPr>
+            <p:ph sz="half" idx="1"/>
+          </p:nvPr>
+        </p:nvPicPr>
+        <p:blipFill>
+          <a:blip r:embed="rId2"/>
+          <a:stretch>
+            <a:fillRect/>
+          </a:stretch>
+        </p:blipFill>
+        <p:spPr bwMode="auto">
+          <a:xfrm>
+            <a:off x="838200" y="2450894"/>
+            <a:ext cx="5181600" cy="3100800"/>
+          </a:xfrm>
+          <a:prstGeom prst="rect">
+            <a:avLst/>
+          </a:prstGeom>
+          <a:noFill/>
+          <a:ln w="9525">
+            <a:noFill/>
+            <a:miter lim="800000"/>
+            <a:headEnd/>
+            <a:tailEnd/>
+          </a:ln>
+          <a:effectLst/>
+        </p:spPr>
+      </p:pic>
+      <p:cxnSp>
+        <p:nvCxnSpPr>
+          <p:cNvPr id="8" name="Straight Arrow Connector 7"/>
+          <p:cNvCxnSpPr/>
+          <p:nvPr/>
+        </p:nvCxnSpPr>
+        <p:spPr>
+          <a:xfrm rot="16200000" flipV="1">
+            <a:off x="3363308" y="4981903"/>
+            <a:ext cx="1608086" cy="515011"/>
+          </a:xfrm>
+          <a:prstGeom prst="straightConnector1">
+            <a:avLst/>
+          </a:prstGeom>
+          <a:ln w="38100">
+            <a:tailEnd type="arrow"/>
+          </a:ln>
+        </p:spPr>
+        <p:style>
+          <a:lnRef idx="1">
+            <a:schemeClr val="dk1"/>
+          </a:lnRef>
+          <a:fillRef idx="0">
+            <a:schemeClr val="dk1"/>
+          </a:fillRef>
+          <a:effectRef idx="0">
+            <a:schemeClr val="dk1"/>
+          </a:effectRef>
+          <a:fontRef idx="minor">
+            <a:schemeClr val="tx1"/>
+          </a:fontRef>
+        </p:style>
+      </p:cxnSp>
+      <p:sp>
+        <p:nvSpPr>
+          <p:cNvPr id="14" name="TextBox 13"/>
+          <p:cNvSpPr txBox="1"/>
+          <p:nvPr/>
+        </p:nvSpPr>
+        <p:spPr>
+          <a:xfrm>
+            <a:off x="357351" y="6074979"/>
+            <a:ext cx="5372305" cy="369332"/>
+          </a:xfrm>
+          <a:prstGeom prst="rect">
+            <a:avLst/>
+          </a:prstGeom>
+          <a:noFill/>
+        </p:spPr>
+        <p:txBody>
+          <a:bodyPr wrap="none" rtlCol="0">
+            <a:spAutoFit/>
+          </a:bodyPr>
+          <a:lstStyle/>
+          <a:p>
+            <a:r>
+              <a:rPr lang="en-IE" dirty="0" smtClean="0"/>
+              <a:t>Lists are dynamically generated using the SQL Database</a:t>
+            </a:r>
+            <a:endParaRPr lang="en-US" dirty="0"/>
+          </a:p>
+        </p:txBody>
+      </p:sp>
+      <p:pic>
+        <p:nvPicPr>
+          <p:cNvPr id="2051" name="Picture 3"/>
+          <p:cNvPicPr>
+            <a:picLocks noGrp="1" noChangeAspect="1" noChangeArrowheads="1"/>
+          </p:cNvPicPr>
+          <p:nvPr>
+            <p:ph sz="half" idx="2"/>
+          </p:nvPr>
+        </p:nvPicPr>
+        <p:blipFill>
+          <a:blip r:embed="rId3"/>
+          <a:srcRect/>
+          <a:stretch>
+            <a:fillRect/>
+          </a:stretch>
+        </p:blipFill>
+        <p:spPr bwMode="auto">
+          <a:xfrm>
+            <a:off x="6172200" y="2057005"/>
+            <a:ext cx="5181600" cy="3888577"/>
+          </a:xfrm>
+          <a:prstGeom prst="rect">
+            <a:avLst/>
+          </a:prstGeom>
+          <a:noFill/>
+          <a:ln w="9525">
+            <a:noFill/>
+            <a:miter lim="800000"/>
+            <a:headEnd/>
+            <a:tailEnd/>
+          </a:ln>
+          <a:effectLst/>
+        </p:spPr>
+      </p:pic>
+      <p:cxnSp>
+        <p:nvCxnSpPr>
+          <p:cNvPr id="19" name="Straight Arrow Connector 18"/>
+          <p:cNvCxnSpPr/>
+          <p:nvPr/>
+        </p:nvCxnSpPr>
+        <p:spPr>
+          <a:xfrm rot="5400000">
+            <a:off x="9165020" y="1792013"/>
+            <a:ext cx="1066800" cy="278526"/>
+          </a:xfrm>
+          <a:prstGeom prst="straightConnector1">
+            <a:avLst/>
+          </a:prstGeom>
+          <a:ln w="38100">
+            <a:solidFill>
+              <a:schemeClr val="accent2"/>
+            </a:solidFill>
+            <a:tailEnd type="arrow"/>
+          </a:ln>
+        </p:spPr>
+        <p:style>
+          <a:lnRef idx="1">
+            <a:schemeClr val="dk1"/>
+          </a:lnRef>
+          <a:fillRef idx="0">
+            <a:schemeClr val="dk1"/>
+          </a:fillRef>
+          <a:effectRef idx="0">
+            <a:schemeClr val="dk1"/>
+          </a:effectRef>
+          <a:fontRef idx="minor">
+            <a:schemeClr val="tx1"/>
+          </a:fontRef>
+        </p:style>
+      </p:cxnSp>
+      <p:sp>
+        <p:nvSpPr>
+          <p:cNvPr id="22" name="TextBox 21"/>
+          <p:cNvSpPr txBox="1"/>
+          <p:nvPr/>
+        </p:nvSpPr>
+        <p:spPr>
+          <a:xfrm>
+            <a:off x="9585434" y="189187"/>
+            <a:ext cx="2249213" cy="1200329"/>
+          </a:xfrm>
+          <a:prstGeom prst="rect">
+            <a:avLst/>
+          </a:prstGeom>
+          <a:noFill/>
+        </p:spPr>
+        <p:txBody>
+          <a:bodyPr wrap="square" rtlCol="0">
+            <a:spAutoFit/>
+          </a:bodyPr>
+          <a:lstStyle/>
+          <a:p>
+            <a:r>
+              <a:rPr lang="en-IE" sz="1200" dirty="0" smtClean="0"/>
+              <a:t>When a member creates a booking, we grab there session email and the information from the class they selected, from the database and populate our new booking record.</a:t>
+            </a:r>
+            <a:endParaRPr lang="en-US" sz="1200" dirty="0"/>
+          </a:p>
+        </p:txBody>
+      </p:sp>
+    </p:spTree>
+  </p:cSld>
+  <p:clrMapOvr>
+    <a:masterClrMapping/>
+  </p:clrMapOvr>
+</p:sld>
+</file>
+
+<file path=ppt/slides/slide12.xml><?xml version="1.0" encoding="utf-8"?>
+<p:sld xmlns:a="http://schemas.openxmlformats.org/drawingml/2006/main" xmlns:r="http://schemas.openxmlformats.org/officeDocument/2006/relationships" xmlns:p="http://schemas.openxmlformats.org/presentationml/2006/main">
+  <p:cSld>
+    <p:spTree>
+      <p:nvGrpSpPr>
+        <p:cNvPr id="1" name=""/>
+        <p:cNvGrpSpPr/>
+        <p:nvPr/>
+      </p:nvGrpSpPr>
+      <p:grpSpPr>
+        <a:xfrm>
+          <a:off x="0" y="0"/>
+          <a:ext cx="0" cy="0"/>
+          <a:chOff x="0" y="0"/>
+          <a:chExt cx="0" cy="0"/>
+        </a:xfrm>
+      </p:grpSpPr>
+      <p:sp>
+        <p:nvSpPr>
+          <p:cNvPr id="2" name="Title 1">
+            <a:extLst>
+              <a:ext uri="{FF2B5EF4-FFF2-40B4-BE49-F238E27FC236}">
+                <a16:creationId xmlns="" xmlns:a16="http://schemas.microsoft.com/office/drawing/2014/main" id="{2C027A42-53D2-4E17-B941-7B90075EFEBA}"/>
+              </a:ext>
+            </a:extLst>
+          </p:cNvPr>
+          <p:cNvSpPr>
+            <a:spLocks noGrp="1"/>
+          </p:cNvSpPr>
+          <p:nvPr>
+            <p:ph type="ctrTitle"/>
+          </p:nvPr>
+        </p:nvSpPr>
+        <p:spPr/>
+        <p:txBody>
+          <a:bodyPr/>
+          <a:lstStyle/>
+          <a:p>
+            <a:r>
+              <a:rPr lang="en-IE" dirty="0" smtClean="0"/>
+              <a:t>XML</a:t>
+            </a:r>
+            <a:endParaRPr lang="en-IE" dirty="0"/>
+          </a:p>
+        </p:txBody>
+      </p:sp>
+      <p:sp>
+        <p:nvSpPr>
+          <p:cNvPr id="3" name="Subtitle 2">
+            <a:extLst>
+              <a:ext uri="{FF2B5EF4-FFF2-40B4-BE49-F238E27FC236}">
+                <a16:creationId xmlns="" xmlns:a16="http://schemas.microsoft.com/office/drawing/2014/main" id="{5E9D8A30-85B0-4450-9409-0E0BC61701AD}"/>
+              </a:ext>
+            </a:extLst>
+          </p:cNvPr>
+          <p:cNvSpPr>
+            <a:spLocks noGrp="1"/>
+          </p:cNvSpPr>
+          <p:nvPr>
+            <p:ph type="subTitle" idx="1"/>
+          </p:nvPr>
+        </p:nvSpPr>
+        <p:spPr/>
+        <p:txBody>
+          <a:bodyPr/>
+          <a:lstStyle/>
+          <a:p>
+            <a:r>
+              <a:rPr lang="en-US" dirty="0" smtClean="0"/>
+              <a:t>Felix Ogiehor </a:t>
+            </a:r>
+            <a:r>
+              <a:rPr lang="en-IE" dirty="0" smtClean="0"/>
+              <a:t>+ Carl Taylor</a:t>
+            </a:r>
+            <a:endParaRPr lang="en-IE" dirty="0"/>
+          </a:p>
+        </p:txBody>
+      </p:sp>
+    </p:spTree>
+    <p:extLst>
+      <p:ext uri="{BB962C8B-B14F-4D97-AF65-F5344CB8AC3E}">
+        <p14:creationId xmlns="" xmlns:p14="http://schemas.microsoft.com/office/powerpoint/2010/main" val="3433053869"/>
+      </p:ext>
+    </p:extLst>
+  </p:cSld>
+  <p:clrMapOvr>
+    <a:masterClrMapping/>
+  </p:clrMapOvr>
+</p:sld>
+</file>
+
+<file path=ppt/slides/slide13.xml><?xml version="1.0" encoding="utf-8"?>
+<p:sld xmlns:a="http://schemas.openxmlformats.org/drawingml/2006/main" xmlns:r="http://schemas.openxmlformats.org/officeDocument/2006/relationships" xmlns:p="http://schemas.openxmlformats.org/presentationml/2006/main">
+  <p:cSld>
+    <p:spTree>
+      <p:nvGrpSpPr>
+        <p:cNvPr id="1" name=""/>
+        <p:cNvGrpSpPr/>
+        <p:nvPr/>
+      </p:nvGrpSpPr>
+      <p:grpSpPr>
+        <a:xfrm>
+          <a:off x="0" y="0"/>
+          <a:ext cx="0" cy="0"/>
+          <a:chOff x="0" y="0"/>
+          <a:chExt cx="0" cy="0"/>
+        </a:xfrm>
+      </p:grpSpPr>
+      <p:sp>
+        <p:nvSpPr>
+          <p:cNvPr id="2" name="Title 1"/>
+          <p:cNvSpPr>
+            <a:spLocks noGrp="1"/>
+          </p:cNvSpPr>
+          <p:nvPr>
+            <p:ph type="title"/>
+          </p:nvPr>
+        </p:nvSpPr>
+        <p:spPr/>
+        <p:txBody>
+          <a:bodyPr/>
+          <a:lstStyle/>
+          <a:p>
+            <a:pPr algn="ctr"/>
+            <a:r>
+              <a:rPr lang="en-IE" dirty="0" smtClean="0"/>
+              <a:t>XML</a:t>
+            </a:r>
+            <a:endParaRPr lang="en-US" dirty="0"/>
+          </a:p>
+        </p:txBody>
+      </p:sp>
+      <p:pic>
+        <p:nvPicPr>
+          <p:cNvPr id="3074" name="Picture 2"/>
+          <p:cNvPicPr>
+            <a:picLocks noGrp="1" noChangeAspect="1" noChangeArrowheads="1"/>
+          </p:cNvPicPr>
+          <p:nvPr>
+            <p:ph sz="half" idx="1"/>
+          </p:nvPr>
+        </p:nvPicPr>
+        <p:blipFill>
+          <a:blip r:embed="rId2"/>
+          <a:srcRect/>
+          <a:stretch>
+            <a:fillRect/>
+          </a:stretch>
+        </p:blipFill>
+        <p:spPr bwMode="auto">
+          <a:xfrm>
+            <a:off x="838200" y="2080252"/>
+            <a:ext cx="5181600" cy="3842084"/>
+          </a:xfrm>
+          <a:prstGeom prst="rect">
+            <a:avLst/>
+          </a:prstGeom>
+          <a:noFill/>
+          <a:ln w="9525">
+            <a:noFill/>
+            <a:miter lim="800000"/>
+            <a:headEnd/>
+            <a:tailEnd/>
+          </a:ln>
+          <a:effectLst/>
+        </p:spPr>
+      </p:pic>
+      <p:pic>
+        <p:nvPicPr>
+          <p:cNvPr id="3076" name="Picture 4"/>
+          <p:cNvPicPr>
+            <a:picLocks noGrp="1" noChangeAspect="1" noChangeArrowheads="1"/>
+          </p:cNvPicPr>
+          <p:nvPr>
+            <p:ph sz="half" idx="2"/>
+          </p:nvPr>
+        </p:nvPicPr>
+        <p:blipFill>
+          <a:blip r:embed="rId3"/>
+          <a:srcRect/>
+          <a:stretch>
+            <a:fillRect/>
+          </a:stretch>
+        </p:blipFill>
+        <p:spPr bwMode="auto">
+          <a:xfrm>
+            <a:off x="6659617" y="2125197"/>
+            <a:ext cx="4038600" cy="914400"/>
+          </a:xfrm>
+          <a:prstGeom prst="rect">
+            <a:avLst/>
+          </a:prstGeom>
+          <a:noFill/>
+          <a:ln w="9525">
+            <a:noFill/>
+            <a:miter lim="800000"/>
+            <a:headEnd/>
+            <a:tailEnd/>
+          </a:ln>
+          <a:effectLst/>
+        </p:spPr>
+      </p:pic>
+      <p:pic>
+        <p:nvPicPr>
+          <p:cNvPr id="3077" name="Picture 5"/>
+          <p:cNvPicPr>
+            <a:picLocks noChangeAspect="1" noChangeArrowheads="1"/>
+          </p:cNvPicPr>
+          <p:nvPr/>
+        </p:nvPicPr>
+        <p:blipFill>
+          <a:blip r:embed="rId4"/>
+          <a:srcRect/>
+          <a:stretch>
+            <a:fillRect/>
+          </a:stretch>
+        </p:blipFill>
+        <p:spPr bwMode="auto">
+          <a:xfrm>
+            <a:off x="6560262" y="3717378"/>
+            <a:ext cx="4200525" cy="1714500"/>
+          </a:xfrm>
+          <a:prstGeom prst="rect">
+            <a:avLst/>
+          </a:prstGeom>
+          <a:noFill/>
+          <a:ln w="9525">
+            <a:noFill/>
+            <a:miter lim="800000"/>
+            <a:headEnd/>
+            <a:tailEnd/>
+          </a:ln>
+          <a:effectLst/>
+        </p:spPr>
+      </p:pic>
+      <p:cxnSp>
+        <p:nvCxnSpPr>
+          <p:cNvPr id="11" name="Straight Arrow Connector 10"/>
+          <p:cNvCxnSpPr/>
+          <p:nvPr/>
+        </p:nvCxnSpPr>
+        <p:spPr>
+          <a:xfrm rot="16200000" flipV="1">
+            <a:off x="3720663" y="5055476"/>
+            <a:ext cx="693687" cy="294291"/>
+          </a:xfrm>
+          <a:prstGeom prst="straightConnector1">
+            <a:avLst/>
+          </a:prstGeom>
+          <a:ln w="38100">
+            <a:tailEnd type="arrow"/>
+          </a:ln>
+        </p:spPr>
+        <p:style>
+          <a:lnRef idx="1">
+            <a:schemeClr val="dk1"/>
+          </a:lnRef>
+          <a:fillRef idx="0">
+            <a:schemeClr val="dk1"/>
+          </a:fillRef>
+          <a:effectRef idx="0">
+            <a:schemeClr val="dk1"/>
+          </a:effectRef>
+          <a:fontRef idx="minor">
+            <a:schemeClr val="tx1"/>
+          </a:fontRef>
+        </p:style>
+      </p:cxnSp>
+      <p:cxnSp>
+        <p:nvCxnSpPr>
+          <p:cNvPr id="14" name="Straight Arrow Connector 13"/>
+          <p:cNvCxnSpPr/>
+          <p:nvPr/>
+        </p:nvCxnSpPr>
+        <p:spPr>
+          <a:xfrm rot="16200000" flipV="1">
+            <a:off x="10226567" y="3100551"/>
+            <a:ext cx="420414" cy="357353"/>
+          </a:xfrm>
+          <a:prstGeom prst="straightConnector1">
+            <a:avLst/>
+          </a:prstGeom>
+          <a:ln w="38100">
+            <a:tailEnd type="arrow"/>
+          </a:ln>
+        </p:spPr>
+        <p:style>
+          <a:lnRef idx="1">
+            <a:schemeClr val="dk1"/>
+          </a:lnRef>
+          <a:fillRef idx="0">
+            <a:schemeClr val="dk1"/>
+          </a:fillRef>
+          <a:effectRef idx="0">
+            <a:schemeClr val="dk1"/>
+          </a:effectRef>
+          <a:fontRef idx="minor">
+            <a:schemeClr val="tx1"/>
+          </a:fontRef>
+        </p:style>
+      </p:cxnSp>
+      <p:cxnSp>
+        <p:nvCxnSpPr>
+          <p:cNvPr id="15" name="Straight Arrow Connector 14"/>
+          <p:cNvCxnSpPr/>
+          <p:nvPr/>
+        </p:nvCxnSpPr>
+        <p:spPr>
+          <a:xfrm rot="10800000" flipV="1">
+            <a:off x="9869215" y="3888827"/>
+            <a:ext cx="662153" cy="357352"/>
+          </a:xfrm>
+          <a:prstGeom prst="straightConnector1">
+            <a:avLst/>
+          </a:prstGeom>
+          <a:ln w="38100">
+            <a:tailEnd type="arrow"/>
+          </a:ln>
+        </p:spPr>
+        <p:style>
+          <a:lnRef idx="1">
+            <a:schemeClr val="dk1"/>
+          </a:lnRef>
+          <a:fillRef idx="0">
+            <a:schemeClr val="dk1"/>
+          </a:fillRef>
+          <a:effectRef idx="0">
+            <a:schemeClr val="dk1"/>
+          </a:effectRef>
+          <a:fontRef idx="minor">
+            <a:schemeClr val="tx1"/>
+          </a:fontRef>
+        </p:style>
+      </p:cxnSp>
+      <p:sp>
+        <p:nvSpPr>
+          <p:cNvPr id="19" name="TextBox 18"/>
+          <p:cNvSpPr txBox="1"/>
+          <p:nvPr/>
+        </p:nvSpPr>
+        <p:spPr>
+          <a:xfrm>
+            <a:off x="10531366" y="3520965"/>
+            <a:ext cx="1450427" cy="830997"/>
+          </a:xfrm>
+          <a:prstGeom prst="rect">
+            <a:avLst/>
+          </a:prstGeom>
+          <a:noFill/>
+        </p:spPr>
+        <p:txBody>
+          <a:bodyPr wrap="square" rtlCol="0">
+            <a:spAutoFit/>
+          </a:bodyPr>
+          <a:lstStyle/>
+          <a:p>
+            <a:r>
+              <a:rPr lang="en-IE" sz="1200" dirty="0" smtClean="0"/>
+              <a:t>The text is saved to an xml. This xml file is then read to our Nutrition Page.</a:t>
+            </a:r>
+            <a:endParaRPr lang="en-US" sz="1200" dirty="0"/>
+          </a:p>
+        </p:txBody>
+      </p:sp>
+      <p:sp>
+        <p:nvSpPr>
+          <p:cNvPr id="20" name="TextBox 19"/>
+          <p:cNvSpPr txBox="1"/>
+          <p:nvPr/>
+        </p:nvSpPr>
+        <p:spPr>
+          <a:xfrm>
+            <a:off x="3904592" y="5680842"/>
+            <a:ext cx="2249213" cy="1015663"/>
+          </a:xfrm>
+          <a:prstGeom prst="rect">
+            <a:avLst/>
+          </a:prstGeom>
+          <a:noFill/>
+        </p:spPr>
+        <p:txBody>
+          <a:bodyPr wrap="square" rtlCol="0">
+            <a:spAutoFit/>
+          </a:bodyPr>
+          <a:lstStyle/>
+          <a:p>
+            <a:r>
+              <a:rPr lang="en-IE" sz="1200" dirty="0" smtClean="0"/>
+              <a:t>A member can add their own nutritional blog post to our site. This dynamically uses their logged in session to grab their first and last name.</a:t>
+            </a:r>
+            <a:endParaRPr lang="en-US" sz="1200" dirty="0"/>
+          </a:p>
+        </p:txBody>
+      </p:sp>
+    </p:spTree>
+  </p:cSld>
+  <p:clrMapOvr>
+    <a:masterClrMapping/>
+  </p:clrMapOvr>
+</p:sld>
+</file>
+
+<file path=ppt/slides/slide14.xml><?xml version="1.0" encoding="utf-8"?>
+<p:sld xmlns:a="http://schemas.openxmlformats.org/drawingml/2006/main" xmlns:r="http://schemas.openxmlformats.org/officeDocument/2006/relationships" xmlns:p="http://schemas.openxmlformats.org/presentationml/2006/main">
+  <p:cSld>
+    <p:spTree>
+      <p:nvGrpSpPr>
+        <p:cNvPr id="1" name=""/>
+        <p:cNvGrpSpPr/>
+        <p:nvPr/>
+      </p:nvGrpSpPr>
+      <p:grpSpPr>
+        <a:xfrm>
+          <a:off x="0" y="0"/>
+          <a:ext cx="0" cy="0"/>
+          <a:chOff x="0" y="0"/>
+          <a:chExt cx="0" cy="0"/>
+        </a:xfrm>
+      </p:grpSpPr>
+      <p:sp>
+        <p:nvSpPr>
+          <p:cNvPr id="2" name="Title 1"/>
+          <p:cNvSpPr>
+            <a:spLocks noGrp="1"/>
+          </p:cNvSpPr>
+          <p:nvPr>
+            <p:ph type="title"/>
+          </p:nvPr>
+        </p:nvSpPr>
+        <p:spPr/>
+        <p:txBody>
+          <a:bodyPr/>
+          <a:lstStyle/>
+          <a:p>
+            <a:pPr algn="ctr"/>
+            <a:r>
+              <a:rPr lang="en-IE" dirty="0" smtClean="0"/>
+              <a:t>XML</a:t>
+            </a:r>
+            <a:endParaRPr lang="en-US" dirty="0"/>
+          </a:p>
+        </p:txBody>
+      </p:sp>
+      <p:pic>
+        <p:nvPicPr>
+          <p:cNvPr id="6146" name="Picture 2"/>
+          <p:cNvPicPr>
+            <a:picLocks noGrp="1" noChangeAspect="1" noChangeArrowheads="1"/>
+          </p:cNvPicPr>
+          <p:nvPr>
+            <p:ph sz="half" idx="1"/>
+          </p:nvPr>
+        </p:nvPicPr>
+        <p:blipFill>
+          <a:blip r:embed="rId2"/>
+          <a:srcRect/>
+          <a:stretch>
+            <a:fillRect/>
+          </a:stretch>
+        </p:blipFill>
+        <p:spPr bwMode="auto">
+          <a:xfrm>
+            <a:off x="933802" y="1825625"/>
+            <a:ext cx="4990396" cy="4351338"/>
+          </a:xfrm>
+          <a:prstGeom prst="rect">
+            <a:avLst/>
+          </a:prstGeom>
+          <a:noFill/>
+          <a:ln w="9525">
+            <a:noFill/>
+            <a:miter lim="800000"/>
+            <a:headEnd/>
+            <a:tailEnd/>
+          </a:ln>
+          <a:effectLst/>
+        </p:spPr>
+      </p:pic>
+      <p:pic>
+        <p:nvPicPr>
+          <p:cNvPr id="6147" name="Picture 3"/>
+          <p:cNvPicPr>
+            <a:picLocks noGrp="1" noChangeAspect="1" noChangeArrowheads="1"/>
+          </p:cNvPicPr>
+          <p:nvPr>
+            <p:ph sz="half" idx="2"/>
+          </p:nvPr>
+        </p:nvPicPr>
+        <p:blipFill>
+          <a:blip r:embed="rId3"/>
+          <a:srcRect/>
+          <a:stretch>
+            <a:fillRect/>
+          </a:stretch>
+        </p:blipFill>
+        <p:spPr bwMode="auto">
+          <a:xfrm>
+            <a:off x="6214240" y="3408761"/>
+            <a:ext cx="5181600" cy="701587"/>
+          </a:xfrm>
+          <a:prstGeom prst="rect">
+            <a:avLst/>
+          </a:prstGeom>
+          <a:noFill/>
+          <a:ln w="9525">
+            <a:noFill/>
+            <a:miter lim="800000"/>
+            <a:headEnd/>
+            <a:tailEnd/>
+          </a:ln>
+          <a:effectLst/>
+        </p:spPr>
+      </p:pic>
+      <p:cxnSp>
+        <p:nvCxnSpPr>
+          <p:cNvPr id="7" name="Straight Arrow Connector 6"/>
+          <p:cNvCxnSpPr/>
+          <p:nvPr/>
+        </p:nvCxnSpPr>
+        <p:spPr>
+          <a:xfrm rot="10800000">
+            <a:off x="7939144" y="4130937"/>
+            <a:ext cx="881758" cy="726451"/>
+          </a:xfrm>
+          <a:prstGeom prst="straightConnector1">
+            <a:avLst/>
+          </a:prstGeom>
+          <a:ln w="38100">
+            <a:tailEnd type="arrow"/>
+          </a:ln>
+        </p:spPr>
+        <p:style>
+          <a:lnRef idx="1">
+            <a:schemeClr val="dk1"/>
+          </a:lnRef>
+          <a:fillRef idx="0">
+            <a:schemeClr val="dk1"/>
+          </a:fillRef>
+          <a:effectRef idx="0">
+            <a:schemeClr val="dk1"/>
+          </a:effectRef>
+          <a:fontRef idx="minor">
+            <a:schemeClr val="tx1"/>
+          </a:fontRef>
+        </p:style>
+      </p:cxnSp>
+      <p:cxnSp>
+        <p:nvCxnSpPr>
+          <p:cNvPr id="9" name="Straight Arrow Connector 8"/>
+          <p:cNvCxnSpPr/>
+          <p:nvPr/>
+        </p:nvCxnSpPr>
+        <p:spPr>
+          <a:xfrm rot="10800000" flipV="1">
+            <a:off x="5238977" y="2571077"/>
+            <a:ext cx="2054709" cy="1194097"/>
+          </a:xfrm>
+          <a:prstGeom prst="straightConnector1">
+            <a:avLst/>
+          </a:prstGeom>
+          <a:ln w="38100">
+            <a:tailEnd type="arrow"/>
+          </a:ln>
+        </p:spPr>
+        <p:style>
+          <a:lnRef idx="1">
+            <a:schemeClr val="dk1"/>
+          </a:lnRef>
+          <a:fillRef idx="0">
+            <a:schemeClr val="dk1"/>
+          </a:fillRef>
+          <a:effectRef idx="0">
+            <a:schemeClr val="dk1"/>
+          </a:effectRef>
+          <a:fontRef idx="minor">
+            <a:schemeClr val="tx1"/>
+          </a:fontRef>
+        </p:style>
+      </p:cxnSp>
+      <p:sp>
+        <p:nvSpPr>
+          <p:cNvPr id="12" name="TextBox 11"/>
+          <p:cNvSpPr txBox="1"/>
+          <p:nvPr/>
+        </p:nvSpPr>
+        <p:spPr>
+          <a:xfrm>
+            <a:off x="7906870" y="5011827"/>
+            <a:ext cx="4152858" cy="646331"/>
+          </a:xfrm>
+          <a:prstGeom prst="rect">
+            <a:avLst/>
+          </a:prstGeom>
+          <a:noFill/>
+        </p:spPr>
+        <p:txBody>
+          <a:bodyPr wrap="square" rtlCol="0">
+            <a:spAutoFit/>
+          </a:bodyPr>
+          <a:lstStyle/>
+          <a:p>
+            <a:r>
+              <a:rPr lang="en-IE" dirty="0" smtClean="0"/>
+              <a:t>This is then stored in an xml document to be extracted by the admin.</a:t>
+            </a:r>
+            <a:endParaRPr lang="en-US" dirty="0"/>
+          </a:p>
+        </p:txBody>
+      </p:sp>
+      <p:sp>
+        <p:nvSpPr>
+          <p:cNvPr id="15" name="TextBox 14"/>
+          <p:cNvSpPr txBox="1"/>
+          <p:nvPr/>
+        </p:nvSpPr>
+        <p:spPr>
+          <a:xfrm>
+            <a:off x="7058809" y="1818599"/>
+            <a:ext cx="4152858" cy="646331"/>
+          </a:xfrm>
+          <a:prstGeom prst="rect">
+            <a:avLst/>
+          </a:prstGeom>
+          <a:noFill/>
+        </p:spPr>
+        <p:txBody>
+          <a:bodyPr wrap="square" rtlCol="0">
+            <a:spAutoFit/>
+          </a:bodyPr>
+          <a:lstStyle/>
+          <a:p>
+            <a:r>
+              <a:rPr lang="en-IE" dirty="0" smtClean="0"/>
+              <a:t>Any visitor to the site can initially send a message with these given details.</a:t>
+            </a:r>
+            <a:endParaRPr lang="en-US" dirty="0"/>
+          </a:p>
+        </p:txBody>
+      </p:sp>
+    </p:spTree>
+  </p:cSld>
+  <p:clrMapOvr>
+    <a:masterClrMapping/>
+  </p:clrMapOvr>
+</p:sld>
+</file>
+
+<file path=ppt/slides/slide15.xml><?xml version="1.0" encoding="utf-8"?>
+<p:sld xmlns:a="http://schemas.openxmlformats.org/drawingml/2006/main" xmlns:r="http://schemas.openxmlformats.org/officeDocument/2006/relationships" xmlns:p="http://schemas.openxmlformats.org/presentationml/2006/main">
+  <p:cSld>
+    <p:spTree>
+      <p:nvGrpSpPr>
+        <p:cNvPr id="1" name=""/>
+        <p:cNvGrpSpPr/>
+        <p:nvPr/>
+      </p:nvGrpSpPr>
+      <p:grpSpPr>
+        <a:xfrm>
+          <a:off x="0" y="0"/>
+          <a:ext cx="0" cy="0"/>
+          <a:chOff x="0" y="0"/>
+          <a:chExt cx="0" cy="0"/>
+        </a:xfrm>
+      </p:grpSpPr>
+      <p:sp>
+        <p:nvSpPr>
+          <p:cNvPr id="5" name="Title 4"/>
+          <p:cNvSpPr>
+            <a:spLocks noGrp="1"/>
+          </p:cNvSpPr>
+          <p:nvPr>
+            <p:ph type="title"/>
+          </p:nvPr>
+        </p:nvSpPr>
+        <p:spPr/>
+        <p:txBody>
+          <a:bodyPr/>
+          <a:lstStyle/>
+          <a:p>
+            <a:pPr algn="ctr"/>
+            <a:r>
+              <a:rPr lang="en-IE" dirty="0" smtClean="0"/>
+              <a:t>Access</a:t>
+            </a:r>
+            <a:endParaRPr lang="en-US" dirty="0"/>
+          </a:p>
+        </p:txBody>
+      </p:sp>
+      <p:sp>
+        <p:nvSpPr>
+          <p:cNvPr id="7" name="Text Placeholder 6"/>
+          <p:cNvSpPr>
+            <a:spLocks noGrp="1"/>
+          </p:cNvSpPr>
+          <p:nvPr>
+            <p:ph type="body" idx="1"/>
+          </p:nvPr>
+        </p:nvSpPr>
+        <p:spPr/>
+        <p:txBody>
+          <a:bodyPr/>
+          <a:lstStyle/>
+          <a:p>
+            <a:pPr algn="ctr"/>
+            <a:r>
+              <a:rPr lang="en-IE" dirty="0" smtClean="0"/>
+              <a:t>On The Cloud</a:t>
+            </a:r>
+            <a:endParaRPr lang="en-US" dirty="0"/>
+          </a:p>
+        </p:txBody>
+      </p:sp>
+      <p:sp>
+        <p:nvSpPr>
+          <p:cNvPr id="6" name="Subtitle 5"/>
+          <p:cNvSpPr>
+            <a:spLocks noGrp="1"/>
+          </p:cNvSpPr>
+          <p:nvPr>
+            <p:ph sz="half" idx="2"/>
+          </p:nvPr>
+        </p:nvSpPr>
+        <p:spPr/>
+        <p:txBody>
+          <a:bodyPr/>
+          <a:lstStyle/>
+          <a:p>
+            <a:r>
+              <a:rPr lang="en-US" dirty="0" smtClean="0">
+                <a:hlinkClick r:id="rId2"/>
+              </a:rPr>
+              <a:t>http://jimsgym.azurewebsites.net/</a:t>
+            </a:r>
+            <a:endParaRPr lang="en-US" dirty="0" smtClean="0"/>
+          </a:p>
+          <a:p>
+            <a:endParaRPr lang="en-IE" dirty="0" smtClean="0"/>
+          </a:p>
+          <a:p>
+            <a:r>
+              <a:rPr lang="en-IE" dirty="0" smtClean="0"/>
+              <a:t>Uploaded using azure.</a:t>
+            </a:r>
+            <a:endParaRPr lang="en-US" dirty="0"/>
+          </a:p>
+        </p:txBody>
+      </p:sp>
+      <p:sp>
+        <p:nvSpPr>
+          <p:cNvPr id="8" name="Text Placeholder 7"/>
+          <p:cNvSpPr>
+            <a:spLocks noGrp="1"/>
+          </p:cNvSpPr>
+          <p:nvPr>
+            <p:ph type="body" sz="quarter" idx="3"/>
+          </p:nvPr>
+        </p:nvSpPr>
+        <p:spPr/>
+        <p:txBody>
+          <a:bodyPr/>
+          <a:lstStyle/>
+          <a:p>
+            <a:pPr algn="ctr"/>
+            <a:r>
+              <a:rPr lang="en-IE" dirty="0" smtClean="0"/>
+              <a:t>On </a:t>
+            </a:r>
+            <a:r>
+              <a:rPr lang="en-IE" dirty="0" err="1" smtClean="0"/>
+              <a:t>Github</a:t>
+            </a:r>
+            <a:endParaRPr lang="en-US" dirty="0"/>
+          </a:p>
+        </p:txBody>
+      </p:sp>
+      <p:sp>
+        <p:nvSpPr>
+          <p:cNvPr id="9" name="Content Placeholder 8"/>
+          <p:cNvSpPr>
+            <a:spLocks noGrp="1"/>
+          </p:cNvSpPr>
+          <p:nvPr>
+            <p:ph sz="quarter" idx="4"/>
+          </p:nvPr>
+        </p:nvSpPr>
+        <p:spPr/>
+        <p:txBody>
+          <a:bodyPr/>
+          <a:lstStyle/>
+          <a:p>
+            <a:r>
+              <a:rPr lang="en-US" dirty="0" smtClean="0">
+                <a:hlinkClick r:id="rId3"/>
+              </a:rPr>
+              <a:t>https://</a:t>
+            </a:r>
+            <a:r>
+              <a:rPr lang="en-US" dirty="0" smtClean="0">
+                <a:hlinkClick r:id="rId3"/>
+              </a:rPr>
+              <a:t>github.com/Madmurt/CA-ASP.NET-MVC-Project</a:t>
+            </a:r>
+            <a:endParaRPr lang="en-US" dirty="0" smtClean="0"/>
+          </a:p>
+          <a:p>
+            <a:endParaRPr lang="en-IE" dirty="0" smtClean="0"/>
+          </a:p>
+          <a:p>
+            <a:r>
+              <a:rPr lang="en-IE" dirty="0" smtClean="0"/>
+              <a:t>Continuously worked on and integrated.</a:t>
+            </a:r>
+            <a:endParaRPr lang="en-US" dirty="0"/>
+          </a:p>
+        </p:txBody>
+      </p:sp>
+    </p:spTree>
+  </p:cSld>
+  <p:clrMapOvr>
+    <a:masterClrMapping/>
+  </p:clrMapOvr>
+</p:sld>
+</file>
+
+<file path=ppt/slides/slide16.xml><?xml version="1.0" encoding="utf-8"?>
+<p:sld xmlns:a="http://schemas.openxmlformats.org/drawingml/2006/main" xmlns:r="http://schemas.openxmlformats.org/officeDocument/2006/relationships" xmlns:p="http://schemas.openxmlformats.org/presentationml/2006/main">
+  <p:cSld>
+    <p:spTree>
+      <p:nvGrpSpPr>
+        <p:cNvPr id="1" name=""/>
+        <p:cNvGrpSpPr/>
+        <p:nvPr/>
+      </p:nvGrpSpPr>
+      <p:grpSpPr>
+        <a:xfrm>
+          <a:off x="0" y="0"/>
+          <a:ext cx="0" cy="0"/>
+          <a:chOff x="0" y="0"/>
+          <a:chExt cx="0" cy="0"/>
+        </a:xfrm>
+      </p:grpSpPr>
+      <p:sp>
+        <p:nvSpPr>
+          <p:cNvPr id="2" name="Title 1">
+            <a:extLst>
+              <a:ext uri="{FF2B5EF4-FFF2-40B4-BE49-F238E27FC236}">
+                <a16:creationId xmlns="" xmlns:a16="http://schemas.microsoft.com/office/drawing/2014/main" id="{0C618FC4-7B66-4A39-A21C-558FDE997C16}"/>
+              </a:ext>
+            </a:extLst>
+          </p:cNvPr>
+          <p:cNvSpPr>
+            <a:spLocks noGrp="1"/>
+          </p:cNvSpPr>
+          <p:nvPr>
+            <p:ph type="ctrTitle"/>
+          </p:nvPr>
+        </p:nvSpPr>
+        <p:spPr>
+          <a:xfrm>
+            <a:off x="1502979" y="418169"/>
+            <a:ext cx="9144000" cy="2387600"/>
+          </a:xfrm>
+        </p:spPr>
+        <p:txBody>
+          <a:bodyPr/>
+          <a:lstStyle/>
+          <a:p>
+            <a:r>
+              <a:rPr lang="en-IE" dirty="0"/>
+              <a:t>Any Questions</a:t>
+            </a:r>
+          </a:p>
+        </p:txBody>
+      </p:sp>
+      <p:pic>
+        <p:nvPicPr>
+          <p:cNvPr id="5122" name="Picture 2"/>
+          <p:cNvPicPr>
+            <a:picLocks noChangeAspect="1" noChangeArrowheads="1"/>
+          </p:cNvPicPr>
+          <p:nvPr/>
+        </p:nvPicPr>
+        <p:blipFill>
+          <a:blip r:embed="rId2"/>
+          <a:srcRect/>
+          <a:stretch>
+            <a:fillRect/>
+          </a:stretch>
+        </p:blipFill>
+        <p:spPr bwMode="auto">
+          <a:xfrm>
+            <a:off x="200848" y="3297292"/>
+            <a:ext cx="11706225" cy="2562225"/>
+          </a:xfrm>
+          <a:prstGeom prst="rect">
+            <a:avLst/>
+          </a:prstGeom>
+          <a:noFill/>
+          <a:ln w="9525">
+            <a:noFill/>
+            <a:miter lim="800000"/>
+            <a:headEnd/>
+            <a:tailEnd/>
+          </a:ln>
+          <a:effectLst/>
+        </p:spPr>
+      </p:pic>
+    </p:spTree>
+    <p:extLst>
+      <p:ext uri="{BB962C8B-B14F-4D97-AF65-F5344CB8AC3E}">
+        <p14:creationId xmlns="" xmlns:p14="http://schemas.microsoft.com/office/powerpoint/2010/main" val="2097596819"/>
       </p:ext>
     </p:extLst>
   </p:cSld>
@@ -3445,7 +4944,7 @@
           <p:cNvPr id="2" name="Title 1">
             <a:extLst>
               <a:ext uri="{FF2B5EF4-FFF2-40B4-BE49-F238E27FC236}">
-                <a16:creationId xmlns:a16="http://schemas.microsoft.com/office/drawing/2014/main" id="{518647E3-C736-49E0-A42A-66F88F1D446C}"/>
+                <a16:creationId xmlns="" xmlns:a16="http://schemas.microsoft.com/office/drawing/2014/main" id="{518647E3-C736-49E0-A42A-66F88F1D446C}"/>
               </a:ext>
             </a:extLst>
           </p:cNvPr>
@@ -3473,7 +4972,7 @@
           <p:cNvPr id="3" name="Subtitle 2">
             <a:extLst>
               <a:ext uri="{FF2B5EF4-FFF2-40B4-BE49-F238E27FC236}">
-                <a16:creationId xmlns:a16="http://schemas.microsoft.com/office/drawing/2014/main" id="{F92D8F97-B6F0-4709-935C-BE3EA11D264B}"/>
+                <a16:creationId xmlns="" xmlns:a16="http://schemas.microsoft.com/office/drawing/2014/main" id="{F92D8F97-B6F0-4709-935C-BE3EA11D264B}"/>
               </a:ext>
             </a:extLst>
           </p:cNvPr>
@@ -3489,6 +4988,10 @@
           <a:bodyPr/>
           <a:lstStyle/>
           <a:p>
+            <a:r>
+              <a:rPr lang="en-IE" dirty="0" smtClean="0"/>
+              <a:t>Martin McCarthy</a:t>
+            </a:r>
             <a:endParaRPr lang="en-IE" dirty="0"/>
           </a:p>
         </p:txBody>
@@ -3496,7 +4999,7 @@
     </p:spTree>
     <p:extLst>
       <p:ext uri="{BB962C8B-B14F-4D97-AF65-F5344CB8AC3E}">
-        <p14:creationId xmlns:p14="http://schemas.microsoft.com/office/powerpoint/2010/main" val="3690644751"/>
+        <p14:creationId xmlns="" xmlns:p14="http://schemas.microsoft.com/office/powerpoint/2010/main" val="3690644751"/>
       </p:ext>
     </p:extLst>
   </p:cSld>
@@ -3525,16 +5028,14 @@
       </p:grpSpPr>
       <p:pic>
         <p:nvPicPr>
-          <p:cNvPr id="2" name="Picture 1">
-            <a:extLst>
-              <a:ext uri="{FF2B5EF4-FFF2-40B4-BE49-F238E27FC236}">
-                <a16:creationId xmlns:a16="http://schemas.microsoft.com/office/drawing/2014/main" id="{E599633C-4166-4FB7-8960-161FE6AEDE19}"/>
-              </a:ext>
-            </a:extLst>
-          </p:cNvPr>
-          <p:cNvPicPr>
-            <a:picLocks noChangeAspect="1"/>
-          </p:cNvPicPr>
+          <p:cNvPr id="2" name="Picture 1" descr="A picture containing wall&#10;&#10;Description generated with high confidence">
+            <a:extLst>
+              <a:ext uri="{FF2B5EF4-FFF2-40B4-BE49-F238E27FC236}">
+                <a16:creationId xmlns="" xmlns:a16="http://schemas.microsoft.com/office/drawing/2014/main" id="{94F31F35-BC32-4986-9367-D95B8EA2BD7F}"/>
+              </a:ext>
+            </a:extLst>
+          </p:cNvPr>
+          <p:cNvPicPr/>
           <p:nvPr/>
         </p:nvPicPr>
         <p:blipFill>
@@ -3545,8 +5046,8 @@
         </p:blipFill>
         <p:spPr>
           <a:xfrm>
-            <a:off x="29932" y="0"/>
-            <a:ext cx="12162068" cy="4904792"/>
+            <a:off x="717040" y="1325001"/>
+            <a:ext cx="10905066" cy="4607391"/>
           </a:xfrm>
           <a:prstGeom prst="rect">
             <a:avLst/>
@@ -3555,57 +5056,86 @@
       </p:pic>
       <p:sp>
         <p:nvSpPr>
-          <p:cNvPr id="3" name="TextBox 2">
-            <a:extLst>
-              <a:ext uri="{FF2B5EF4-FFF2-40B4-BE49-F238E27FC236}">
-                <a16:creationId xmlns:a16="http://schemas.microsoft.com/office/drawing/2014/main" id="{390700C9-D400-4D45-B44D-3F1DC4F9D5A0}"/>
-              </a:ext>
-            </a:extLst>
-          </p:cNvPr>
-          <p:cNvSpPr txBox="1"/>
+          <p:cNvPr id="4" name="Title 1">
+            <a:extLst>
+              <a:ext uri="{FF2B5EF4-FFF2-40B4-BE49-F238E27FC236}">
+                <a16:creationId xmlns="" xmlns:a16="http://schemas.microsoft.com/office/drawing/2014/main" id="{518647E3-C736-49E0-A42A-66F88F1D446C}"/>
+              </a:ext>
+            </a:extLst>
+          </p:cNvPr>
+          <p:cNvSpPr txBox="1">
+            <a:spLocks/>
+          </p:cNvSpPr>
           <p:nvPr/>
         </p:nvSpPr>
         <p:spPr>
           <a:xfrm>
-            <a:off x="29932" y="4904792"/>
-            <a:ext cx="12162068" cy="646331"/>
+            <a:off x="1313792" y="271025"/>
+            <a:ext cx="8996855" cy="1179403"/>
           </a:xfrm>
           <a:prstGeom prst="rect">
             <a:avLst/>
           </a:prstGeom>
-          <a:noFill/>
-        </p:spPr>
-        <p:txBody>
-          <a:bodyPr wrap="square" rtlCol="0">
-            <a:spAutoFit/>
-          </a:bodyPr>
-          <a:lstStyle/>
-          <a:p>
-            <a:pPr marL="285750" indent="-285750">
+        </p:spPr>
+        <p:txBody>
+          <a:bodyPr/>
+          <a:lstStyle/>
+          <a:p>
+            <a:pPr marL="0" marR="0" lvl="0" indent="0" algn="ctr" defTabSz="914400" rtl="0" eaLnBrk="1" fontAlgn="auto" latinLnBrk="0" hangingPunct="1">
+              <a:lnSpc>
+                <a:spcPct val="90000"/>
+              </a:lnSpc>
+              <a:spcBef>
+                <a:spcPct val="0"/>
+              </a:spcBef>
+              <a:spcAft>
+                <a:spcPts val="0"/>
+              </a:spcAft>
+              <a:buClrTx/>
+              <a:buSzTx/>
               <a:buFontTx/>
-              <a:buChar char="-"/>
+              <a:buNone/>
+              <a:tabLst/>
+              <a:defRPr/>
             </a:pPr>
             <a:r>
-              <a:rPr lang="en-IE" dirty="0"/>
-              <a:t>We used Bootstrap 4, this gave us a lot of flexibility</a:t>
-            </a:r>
-          </a:p>
-          <a:p>
-            <a:pPr marL="285750" indent="-285750">
-              <a:buFontTx/>
-              <a:buChar char="-"/>
-            </a:pPr>
-            <a:r>
-              <a:rPr lang="en-IE" dirty="0"/>
-              <a:t>Homepage – little information design to grab your attention, and to encourage further exploration</a:t>
-            </a:r>
+              <a:rPr kumimoji="0" lang="en-IE" sz="4400" b="0" i="0" u="none" strike="noStrike" kern="1200" cap="none" spc="0" normalizeH="0" baseline="0" noProof="0" dirty="0" smtClean="0">
+                <a:ln>
+                  <a:noFill/>
+                </a:ln>
+                <a:solidFill>
+                  <a:schemeClr val="tx1"/>
+                </a:solidFill>
+                <a:effectLst/>
+                <a:uLnTx/>
+                <a:uFillTx/>
+                <a:latin typeface="+mj-lt"/>
+                <a:ea typeface="+mj-ea"/>
+                <a:cs typeface="+mj-cs"/>
+              </a:rPr>
+              <a:t>Structural Hierarchy</a:t>
+            </a:r>
+            <a:endParaRPr kumimoji="0" lang="en-IE" sz="4400" b="0" i="0" u="none" strike="noStrike" kern="1200" cap="none" spc="0" normalizeH="0" baseline="0" noProof="0" dirty="0">
+              <a:ln>
+                <a:noFill/>
+              </a:ln>
+              <a:solidFill>
+                <a:schemeClr val="tx1"/>
+              </a:solidFill>
+              <a:effectLst/>
+              <a:uLnTx/>
+              <a:uFillTx/>
+              <a:latin typeface="+mj-lt"/>
+              <a:ea typeface="+mj-ea"/>
+              <a:cs typeface="+mj-cs"/>
+            </a:endParaRPr>
           </a:p>
         </p:txBody>
       </p:sp>
     </p:spTree>
     <p:extLst>
       <p:ext uri="{BB962C8B-B14F-4D97-AF65-F5344CB8AC3E}">
-        <p14:creationId xmlns:p14="http://schemas.microsoft.com/office/powerpoint/2010/main" val="896007937"/>
+        <p14:creationId xmlns="" xmlns:p14="http://schemas.microsoft.com/office/powerpoint/2010/main" val="2853348684"/>
       </p:ext>
     </p:extLst>
   </p:cSld>
@@ -3634,10 +5164,10 @@
       </p:grpSpPr>
       <p:pic>
         <p:nvPicPr>
-          <p:cNvPr id="2" name="Picture 1" descr="A close up of a fruit&#10;&#10;Description generated with high confidence">
-            <a:extLst>
-              <a:ext uri="{FF2B5EF4-FFF2-40B4-BE49-F238E27FC236}">
-                <a16:creationId xmlns:a16="http://schemas.microsoft.com/office/drawing/2014/main" id="{A1049934-4AAB-4CB5-8DD5-28EE204DFE0B}"/>
+          <p:cNvPr id="2" name="Picture 1">
+            <a:extLst>
+              <a:ext uri="{FF2B5EF4-FFF2-40B4-BE49-F238E27FC236}">
+                <a16:creationId xmlns="" xmlns:a16="http://schemas.microsoft.com/office/drawing/2014/main" id="{E599633C-4166-4FB7-8960-161FE6AEDE19}"/>
               </a:ext>
             </a:extLst>
           </p:cNvPr>
@@ -3646,25 +5176,75 @@
           </p:cNvPicPr>
           <p:nvPr/>
         </p:nvPicPr>
-        <p:blipFill rotWithShape="1">
+        <p:blipFill>
           <a:blip r:embed="rId2"/>
-          <a:srcRect r="5333"/>
-          <a:stretch/>
+          <a:stretch>
+            <a:fillRect/>
+          </a:stretch>
         </p:blipFill>
         <p:spPr>
           <a:xfrm>
-            <a:off x="20" y="10"/>
-            <a:ext cx="12191980" cy="6857990"/>
+            <a:off x="29932" y="0"/>
+            <a:ext cx="12162068" cy="4904792"/>
           </a:xfrm>
           <a:prstGeom prst="rect">
             <a:avLst/>
           </a:prstGeom>
         </p:spPr>
       </p:pic>
+      <p:sp>
+        <p:nvSpPr>
+          <p:cNvPr id="3" name="TextBox 2">
+            <a:extLst>
+              <a:ext uri="{FF2B5EF4-FFF2-40B4-BE49-F238E27FC236}">
+                <a16:creationId xmlns="" xmlns:a16="http://schemas.microsoft.com/office/drawing/2014/main" id="{390700C9-D400-4D45-B44D-3F1DC4F9D5A0}"/>
+              </a:ext>
+            </a:extLst>
+          </p:cNvPr>
+          <p:cNvSpPr txBox="1"/>
+          <p:nvPr/>
+        </p:nvSpPr>
+        <p:spPr>
+          <a:xfrm>
+            <a:off x="29932" y="4904792"/>
+            <a:ext cx="12162068" cy="646331"/>
+          </a:xfrm>
+          <a:prstGeom prst="rect">
+            <a:avLst/>
+          </a:prstGeom>
+          <a:noFill/>
+        </p:spPr>
+        <p:txBody>
+          <a:bodyPr wrap="square" rtlCol="0">
+            <a:spAutoFit/>
+          </a:bodyPr>
+          <a:lstStyle/>
+          <a:p>
+            <a:pPr marL="285750" indent="-285750">
+              <a:buFontTx/>
+              <a:buChar char="-"/>
+            </a:pPr>
+            <a:r>
+              <a:rPr lang="en-IE" dirty="0"/>
+              <a:t>We used Bootstrap 4, this gave us a lot of flexibility</a:t>
+            </a:r>
+          </a:p>
+          <a:p>
+            <a:pPr marL="285750" indent="-285750">
+              <a:buFontTx/>
+              <a:buChar char="-"/>
+            </a:pPr>
+            <a:r>
+              <a:rPr lang="en-IE" dirty="0"/>
+              <a:t>Homepage – little information design to grab your attention, and to encourage further exploration</a:t>
+            </a:r>
+          </a:p>
+        </p:txBody>
+      </p:sp>
     </p:spTree>
     <p:extLst>
       <p:ext uri="{BB962C8B-B14F-4D97-AF65-F5344CB8AC3E}">
-        <p14:creationId xmlns:p14="http://schemas.microsoft.com/office/powerpoint/2010/main" val="1490555623"/>
+        <p14:creationId xmlns="" xmlns:p14="http://schemas.microsoft.com/office/powerpoint/2010/main" val="896007937"/>
       </p:ext>
     </p:extLst>
   </p:cSld>
@@ -3691,132 +5271,12 @@
           <a:chExt cx="0" cy="0"/>
         </a:xfrm>
       </p:grpSpPr>
-      <p:sp>
-        <p:nvSpPr>
-          <p:cNvPr id="7" name="Rectangle 6">
-            <a:extLst>
-              <a:ext uri="{FF2B5EF4-FFF2-40B4-BE49-F238E27FC236}">
-                <a16:creationId xmlns:a16="http://schemas.microsoft.com/office/drawing/2014/main" id="{32BC26D8-82FB-445E-AA49-62A77D7C1EE0}"/>
-              </a:ext>
-            </a:extLst>
-          </p:cNvPr>
-          <p:cNvSpPr>
-            <a:spLocks noGrp="1" noRot="1" noChangeAspect="1" noMove="1" noResize="1" noEditPoints="1" noAdjustHandles="1" noChangeArrowheads="1" noChangeShapeType="1" noTextEdit="1"/>
-          </p:cNvSpPr>
-          <p:nvPr>
-            <p:extLst>
-              <p:ext uri="{386F3935-93C4-4BCD-93E2-E3B085C9AB24}">
-                <p16:designElem xmlns:p16="http://schemas.microsoft.com/office/powerpoint/2015/main" val="1"/>
-              </p:ext>
-            </p:extLst>
-          </p:nvPr>
-        </p:nvSpPr>
-        <p:spPr>
-          <a:xfrm>
-            <a:off x="0" y="0"/>
-            <a:ext cx="12192000" cy="6858000"/>
-          </a:xfrm>
-          <a:prstGeom prst="rect">
-            <a:avLst/>
-          </a:prstGeom>
-          <a:solidFill>
-            <a:srgbClr val="43467D"/>
-          </a:solidFill>
-          <a:ln>
-            <a:noFill/>
-          </a:ln>
-        </p:spPr>
-        <p:style>
-          <a:lnRef idx="2">
-            <a:schemeClr val="accent1">
-              <a:shade val="50000"/>
-            </a:schemeClr>
-          </a:lnRef>
-          <a:fillRef idx="1">
-            <a:schemeClr val="accent1"/>
-          </a:fillRef>
-          <a:effectRef idx="0">
-            <a:schemeClr val="accent1"/>
-          </a:effectRef>
-          <a:fontRef idx="minor">
-            <a:schemeClr val="lt1"/>
-          </a:fontRef>
-        </p:style>
-        <p:txBody>
-          <a:bodyPr rtlCol="0" anchor="ctr"/>
-          <a:lstStyle/>
-          <a:p>
-            <a:pPr algn="ctr"/>
-            <a:endParaRPr lang="en-US"/>
-          </a:p>
-        </p:txBody>
-      </p:sp>
-      <p:sp>
-        <p:nvSpPr>
-          <p:cNvPr id="9" name="Rectangle 8">
-            <a:extLst>
-              <a:ext uri="{FF2B5EF4-FFF2-40B4-BE49-F238E27FC236}">
-                <a16:creationId xmlns:a16="http://schemas.microsoft.com/office/drawing/2014/main" id="{CB44330D-EA18-4254-AA95-EB49948539B8}"/>
-              </a:ext>
-            </a:extLst>
-          </p:cNvPr>
-          <p:cNvSpPr>
-            <a:spLocks noGrp="1" noRot="1" noChangeAspect="1" noMove="1" noResize="1" noEditPoints="1" noAdjustHandles="1" noChangeArrowheads="1" noChangeShapeType="1" noTextEdit="1"/>
-          </p:cNvSpPr>
-          <p:nvPr>
-            <p:extLst>
-              <p:ext uri="{386F3935-93C4-4BCD-93E2-E3B085C9AB24}">
-                <p16:designElem xmlns:p16="http://schemas.microsoft.com/office/powerpoint/2015/main" val="1"/>
-              </p:ext>
-            </p:extLst>
-          </p:nvPr>
-        </p:nvSpPr>
-        <p:spPr>
-          <a:xfrm>
-            <a:off x="477012" y="480060"/>
-            <a:ext cx="11237976" cy="5897880"/>
-          </a:xfrm>
-          <a:prstGeom prst="rect">
-            <a:avLst/>
-          </a:prstGeom>
-          <a:solidFill>
-            <a:srgbClr val="FFFFFF"/>
-          </a:solidFill>
-          <a:ln>
-            <a:noFill/>
-          </a:ln>
-        </p:spPr>
-        <p:style>
-          <a:lnRef idx="2">
-            <a:schemeClr val="accent1">
-              <a:shade val="50000"/>
-            </a:schemeClr>
-          </a:lnRef>
-          <a:fillRef idx="1">
-            <a:schemeClr val="accent1"/>
-          </a:fillRef>
-          <a:effectRef idx="0">
-            <a:schemeClr val="accent1"/>
-          </a:effectRef>
-          <a:fontRef idx="minor">
-            <a:schemeClr val="lt1"/>
-          </a:fontRef>
-        </p:style>
-        <p:txBody>
-          <a:bodyPr rtlCol="0" anchor="ctr"/>
-          <a:lstStyle/>
-          <a:p>
-            <a:pPr algn="ctr"/>
-            <a:endParaRPr lang="en-US"/>
-          </a:p>
-        </p:txBody>
-      </p:sp>
       <p:pic>
         <p:nvPicPr>
-          <p:cNvPr id="2" name="Picture 1" descr="A screenshot of a cell phone&#10;&#10;Description generated with very high confidence">
-            <a:extLst>
-              <a:ext uri="{FF2B5EF4-FFF2-40B4-BE49-F238E27FC236}">
-                <a16:creationId xmlns:a16="http://schemas.microsoft.com/office/drawing/2014/main" id="{D6C37DEF-C99C-47D2-8133-442A33711AD5}"/>
+          <p:cNvPr id="2" name="Picture 1" descr="A close up of a fruit&#10;&#10;Description generated with high confidence">
+            <a:extLst>
+              <a:ext uri="{FF2B5EF4-FFF2-40B4-BE49-F238E27FC236}">
+                <a16:creationId xmlns="" xmlns:a16="http://schemas.microsoft.com/office/drawing/2014/main" id="{A1049934-4AAB-4CB5-8DD5-28EE204DFE0B}"/>
               </a:ext>
             </a:extLst>
           </p:cNvPr>
@@ -3825,16 +5285,15 @@
           </p:cNvPicPr>
           <p:nvPr/>
         </p:nvPicPr>
-        <p:blipFill>
+        <p:blipFill rotWithShape="1">
           <a:blip r:embed="rId2"/>
-          <a:stretch>
-            <a:fillRect/>
-          </a:stretch>
+          <a:srcRect r="5333"/>
+          <a:stretch/>
         </p:blipFill>
         <p:spPr>
           <a:xfrm>
-            <a:off x="643467" y="893573"/>
-            <a:ext cx="10905066" cy="5070854"/>
+            <a:off x="20" y="10"/>
+            <a:ext cx="12191980" cy="6857990"/>
           </a:xfrm>
           <a:prstGeom prst="rect">
             <a:avLst/>
@@ -3844,7 +5303,7 @@
     </p:spTree>
     <p:extLst>
       <p:ext uri="{BB962C8B-B14F-4D97-AF65-F5344CB8AC3E}">
-        <p14:creationId xmlns:p14="http://schemas.microsoft.com/office/powerpoint/2010/main" val="4153799421"/>
+        <p14:creationId xmlns="" xmlns:p14="http://schemas.microsoft.com/office/powerpoint/2010/main" val="1490555623"/>
       </p:ext>
     </p:extLst>
   </p:cSld>
@@ -3871,12 +5330,132 @@
           <a:chExt cx="0" cy="0"/>
         </a:xfrm>
       </p:grpSpPr>
+      <p:sp>
+        <p:nvSpPr>
+          <p:cNvPr id="7" name="Rectangle 6">
+            <a:extLst>
+              <a:ext uri="{FF2B5EF4-FFF2-40B4-BE49-F238E27FC236}">
+                <a16:creationId xmlns="" xmlns:a16="http://schemas.microsoft.com/office/drawing/2014/main" id="{32BC26D8-82FB-445E-AA49-62A77D7C1EE0}"/>
+              </a:ext>
+            </a:extLst>
+          </p:cNvPr>
+          <p:cNvSpPr>
+            <a:spLocks noGrp="1" noRot="1" noChangeAspect="1" noMove="1" noResize="1" noEditPoints="1" noAdjustHandles="1" noChangeArrowheads="1" noChangeShapeType="1" noTextEdit="1"/>
+          </p:cNvSpPr>
+          <p:nvPr>
+            <p:extLst>
+              <p:ext uri="{386F3935-93C4-4BCD-93E2-E3B085C9AB24}">
+                <p16:designElem xmlns="" xmlns:p16="http://schemas.microsoft.com/office/powerpoint/2015/main" val="1"/>
+              </p:ext>
+            </p:extLst>
+          </p:nvPr>
+        </p:nvSpPr>
+        <p:spPr>
+          <a:xfrm>
+            <a:off x="0" y="0"/>
+            <a:ext cx="12192000" cy="6858000"/>
+          </a:xfrm>
+          <a:prstGeom prst="rect">
+            <a:avLst/>
+          </a:prstGeom>
+          <a:solidFill>
+            <a:srgbClr val="43467D"/>
+          </a:solidFill>
+          <a:ln>
+            <a:noFill/>
+          </a:ln>
+        </p:spPr>
+        <p:style>
+          <a:lnRef idx="2">
+            <a:schemeClr val="accent1">
+              <a:shade val="50000"/>
+            </a:schemeClr>
+          </a:lnRef>
+          <a:fillRef idx="1">
+            <a:schemeClr val="accent1"/>
+          </a:fillRef>
+          <a:effectRef idx="0">
+            <a:schemeClr val="accent1"/>
+          </a:effectRef>
+          <a:fontRef idx="minor">
+            <a:schemeClr val="lt1"/>
+          </a:fontRef>
+        </p:style>
+        <p:txBody>
+          <a:bodyPr rtlCol="0" anchor="ctr"/>
+          <a:lstStyle/>
+          <a:p>
+            <a:pPr algn="ctr"/>
+            <a:endParaRPr lang="en-US"/>
+          </a:p>
+        </p:txBody>
+      </p:sp>
+      <p:sp>
+        <p:nvSpPr>
+          <p:cNvPr id="9" name="Rectangle 8">
+            <a:extLst>
+              <a:ext uri="{FF2B5EF4-FFF2-40B4-BE49-F238E27FC236}">
+                <a16:creationId xmlns="" xmlns:a16="http://schemas.microsoft.com/office/drawing/2014/main" id="{CB44330D-EA18-4254-AA95-EB49948539B8}"/>
+              </a:ext>
+            </a:extLst>
+          </p:cNvPr>
+          <p:cNvSpPr>
+            <a:spLocks noGrp="1" noRot="1" noChangeAspect="1" noMove="1" noResize="1" noEditPoints="1" noAdjustHandles="1" noChangeArrowheads="1" noChangeShapeType="1" noTextEdit="1"/>
+          </p:cNvSpPr>
+          <p:nvPr>
+            <p:extLst>
+              <p:ext uri="{386F3935-93C4-4BCD-93E2-E3B085C9AB24}">
+                <p16:designElem xmlns="" xmlns:p16="http://schemas.microsoft.com/office/powerpoint/2015/main" val="1"/>
+              </p:ext>
+            </p:extLst>
+          </p:nvPr>
+        </p:nvSpPr>
+        <p:spPr>
+          <a:xfrm>
+            <a:off x="477012" y="480060"/>
+            <a:ext cx="11237976" cy="5897880"/>
+          </a:xfrm>
+          <a:prstGeom prst="rect">
+            <a:avLst/>
+          </a:prstGeom>
+          <a:solidFill>
+            <a:srgbClr val="FFFFFF"/>
+          </a:solidFill>
+          <a:ln>
+            <a:noFill/>
+          </a:ln>
+        </p:spPr>
+        <p:style>
+          <a:lnRef idx="2">
+            <a:schemeClr val="accent1">
+              <a:shade val="50000"/>
+            </a:schemeClr>
+          </a:lnRef>
+          <a:fillRef idx="1">
+            <a:schemeClr val="accent1"/>
+          </a:fillRef>
+          <a:effectRef idx="0">
+            <a:schemeClr val="accent1"/>
+          </a:effectRef>
+          <a:fontRef idx="minor">
+            <a:schemeClr val="lt1"/>
+          </a:fontRef>
+        </p:style>
+        <p:txBody>
+          <a:bodyPr rtlCol="0" anchor="ctr"/>
+          <a:lstStyle/>
+          <a:p>
+            <a:pPr algn="ctr"/>
+            <a:endParaRPr lang="en-US"/>
+          </a:p>
+        </p:txBody>
+      </p:sp>
       <p:pic>
         <p:nvPicPr>
           <p:cNvPr id="2" name="Picture 1" descr="A screenshot of a cell phone&#10;&#10;Description generated with very high confidence">
             <a:extLst>
               <a:ext uri="{FF2B5EF4-FFF2-40B4-BE49-F238E27FC236}">
-                <a16:creationId xmlns:a16="http://schemas.microsoft.com/office/drawing/2014/main" id="{D248249A-2CEB-4AC7-88BE-E58DECFD673D}"/>
+                <a16:creationId xmlns="" xmlns:a16="http://schemas.microsoft.com/office/drawing/2014/main" id="{D6C37DEF-C99C-47D2-8133-442A33711AD5}"/>
               </a:ext>
             </a:extLst>
           </p:cNvPr>
@@ -3885,15 +5464,16 @@
           </p:cNvPicPr>
           <p:nvPr/>
         </p:nvPicPr>
-        <p:blipFill rotWithShape="1">
+        <p:blipFill>
           <a:blip r:embed="rId2"/>
-          <a:srcRect b="9274"/>
-          <a:stretch/>
+          <a:stretch>
+            <a:fillRect/>
+          </a:stretch>
         </p:blipFill>
         <p:spPr>
           <a:xfrm>
-            <a:off x="20" y="10"/>
-            <a:ext cx="12191980" cy="6857990"/>
+            <a:off x="643467" y="893573"/>
+            <a:ext cx="10905066" cy="5070854"/>
           </a:xfrm>
           <a:prstGeom prst="rect">
             <a:avLst/>
@@ -3903,7 +5483,7 @@
     </p:spTree>
     <p:extLst>
       <p:ext uri="{BB962C8B-B14F-4D97-AF65-F5344CB8AC3E}">
-        <p14:creationId xmlns:p14="http://schemas.microsoft.com/office/powerpoint/2010/main" val="991990233"/>
+        <p14:creationId xmlns="" xmlns:p14="http://schemas.microsoft.com/office/powerpoint/2010/main" val="4153799421"/>
       </p:ext>
     </p:extLst>
   </p:cSld>
@@ -3930,139 +5510,12 @@
           <a:chExt cx="0" cy="0"/>
         </a:xfrm>
       </p:grpSpPr>
-      <p:sp>
-        <p:nvSpPr>
-          <p:cNvPr id="8" name="Rectangle 7">
-            <a:extLst>
-              <a:ext uri="{FF2B5EF4-FFF2-40B4-BE49-F238E27FC236}">
-                <a16:creationId xmlns:a16="http://schemas.microsoft.com/office/drawing/2014/main" id="{A9F529C3-C941-49FD-8C67-82F134F64BDB}"/>
-              </a:ext>
-            </a:extLst>
-          </p:cNvPr>
-          <p:cNvSpPr>
-            <a:spLocks noGrp="1" noRot="1" noChangeAspect="1" noMove="1" noResize="1" noEditPoints="1" noAdjustHandles="1" noChangeArrowheads="1" noChangeShapeType="1" noTextEdit="1"/>
-          </p:cNvSpPr>
-          <p:nvPr>
-            <p:extLst>
-              <p:ext uri="{386F3935-93C4-4BCD-93E2-E3B085C9AB24}">
-                <p16:designElem xmlns:p16="http://schemas.microsoft.com/office/powerpoint/2015/main" val="1"/>
-              </p:ext>
-            </p:extLst>
-          </p:nvPr>
-        </p:nvSpPr>
-        <p:spPr>
-          <a:xfrm>
-            <a:off x="0" y="0"/>
-            <a:ext cx="12192000" cy="6858000"/>
-          </a:xfrm>
-          <a:prstGeom prst="rect">
-            <a:avLst/>
-          </a:prstGeom>
-          <a:solidFill>
-            <a:schemeClr val="bg2"/>
-          </a:solidFill>
-          <a:ln>
-            <a:noFill/>
-          </a:ln>
-        </p:spPr>
-        <p:style>
-          <a:lnRef idx="2">
-            <a:schemeClr val="accent1">
-              <a:shade val="50000"/>
-            </a:schemeClr>
-          </a:lnRef>
-          <a:fillRef idx="1">
-            <a:schemeClr val="accent1"/>
-          </a:fillRef>
-          <a:effectRef idx="0">
-            <a:schemeClr val="accent1"/>
-          </a:effectRef>
-          <a:fontRef idx="minor">
-            <a:schemeClr val="lt1"/>
-          </a:fontRef>
-        </p:style>
-        <p:txBody>
-          <a:bodyPr rtlCol="0" anchor="ctr"/>
-          <a:lstStyle/>
-          <a:p>
-            <a:pPr algn="ctr"/>
-            <a:endParaRPr lang="en-US"/>
-          </a:p>
-        </p:txBody>
-      </p:sp>
-      <p:sp>
-        <p:nvSpPr>
-          <p:cNvPr id="10" name="Rectangle 9">
-            <a:extLst>
-              <a:ext uri="{FF2B5EF4-FFF2-40B4-BE49-F238E27FC236}">
-                <a16:creationId xmlns:a16="http://schemas.microsoft.com/office/drawing/2014/main" id="{20586029-32A0-47E5-9AEC-AE3ABA6B94D0}"/>
-              </a:ext>
-            </a:extLst>
-          </p:cNvPr>
-          <p:cNvSpPr>
-            <a:spLocks noGrp="1" noRot="1" noChangeAspect="1" noMove="1" noResize="1" noEditPoints="1" noAdjustHandles="1" noChangeArrowheads="1" noChangeShapeType="1" noTextEdit="1"/>
-          </p:cNvSpPr>
-          <p:nvPr>
-            <p:extLst>
-              <p:ext uri="{386F3935-93C4-4BCD-93E2-E3B085C9AB24}">
-                <p16:designElem xmlns:p16="http://schemas.microsoft.com/office/powerpoint/2015/main" val="1"/>
-              </p:ext>
-            </p:extLst>
-          </p:nvPr>
-        </p:nvSpPr>
-        <p:spPr>
-          <a:xfrm>
-            <a:off x="477012" y="480060"/>
-            <a:ext cx="11237976" cy="5897880"/>
-          </a:xfrm>
-          <a:prstGeom prst="rect">
-            <a:avLst/>
-          </a:prstGeom>
-          <a:solidFill>
-            <a:srgbClr val="FFFFFF"/>
-          </a:solidFill>
-          <a:ln w="9525">
-            <a:noFill/>
-          </a:ln>
-          <a:effectLst>
-            <a:outerShdw blurRad="63500" dist="17780" dir="5400000" algn="t" rotWithShape="0">
-              <a:prstClr val="black">
-                <a:alpha val="43000"/>
-              </a:prstClr>
-            </a:outerShdw>
-          </a:effectLst>
-        </p:spPr>
-        <p:style>
-          <a:lnRef idx="2">
-            <a:schemeClr val="accent1">
-              <a:shade val="50000"/>
-            </a:schemeClr>
-          </a:lnRef>
-          <a:fillRef idx="1">
-            <a:schemeClr val="accent1"/>
-          </a:fillRef>
-          <a:effectRef idx="0">
-            <a:schemeClr val="accent1"/>
-          </a:effectRef>
-          <a:fontRef idx="minor">
-            <a:schemeClr val="lt1"/>
-          </a:fontRef>
-        </p:style>
-        <p:txBody>
-          <a:bodyPr rtlCol="0" anchor="ctr"/>
-          <a:lstStyle/>
-          <a:p>
-            <a:pPr algn="ctr"/>
-            <a:endParaRPr lang="en-US"/>
-          </a:p>
-        </p:txBody>
-      </p:sp>
       <p:pic>
         <p:nvPicPr>
-          <p:cNvPr id="3" name="Picture 2" descr="A screenshot of a cell phone&#10;&#10;Description generated with very high confidence">
-            <a:extLst>
-              <a:ext uri="{FF2B5EF4-FFF2-40B4-BE49-F238E27FC236}">
-                <a16:creationId xmlns:a16="http://schemas.microsoft.com/office/drawing/2014/main" id="{F308D8DE-9F1A-4F12-94C9-1F783D4940FE}"/>
+          <p:cNvPr id="2" name="Picture 1" descr="A screenshot of a cell phone&#10;&#10;Description generated with very high confidence">
+            <a:extLst>
+              <a:ext uri="{FF2B5EF4-FFF2-40B4-BE49-F238E27FC236}">
+                <a16:creationId xmlns="" xmlns:a16="http://schemas.microsoft.com/office/drawing/2014/main" id="{D248249A-2CEB-4AC7-88BE-E58DECFD673D}"/>
               </a:ext>
             </a:extLst>
           </p:cNvPr>
@@ -4071,105 +5524,25 @@
           </p:cNvPicPr>
           <p:nvPr/>
         </p:nvPicPr>
-        <p:blipFill>
+        <p:blipFill rotWithShape="1">
           <a:blip r:embed="rId2"/>
-          <a:stretch>
-            <a:fillRect/>
-          </a:stretch>
+          <a:srcRect b="9274"/>
+          <a:stretch/>
         </p:blipFill>
         <p:spPr>
           <a:xfrm>
-            <a:off x="6253817" y="1562613"/>
-            <a:ext cx="5294715" cy="3732773"/>
+            <a:off x="20" y="10"/>
+            <a:ext cx="12191980" cy="6857990"/>
           </a:xfrm>
           <a:prstGeom prst="rect">
             <a:avLst/>
           </a:prstGeom>
         </p:spPr>
       </p:pic>
-      <p:pic>
-        <p:nvPicPr>
-          <p:cNvPr id="2" name="Picture 1" descr="A screenshot of a cell phone&#10;&#10;Description generated with very high confidence">
-            <a:extLst>
-              <a:ext uri="{FF2B5EF4-FFF2-40B4-BE49-F238E27FC236}">
-                <a16:creationId xmlns:a16="http://schemas.microsoft.com/office/drawing/2014/main" id="{7122524B-0806-4D7B-A391-03798556DF55}"/>
-              </a:ext>
-            </a:extLst>
-          </p:cNvPr>
-          <p:cNvPicPr>
-            <a:picLocks noChangeAspect="1"/>
-          </p:cNvPicPr>
-          <p:nvPr/>
-        </p:nvPicPr>
-        <p:blipFill>
-          <a:blip r:embed="rId3"/>
-          <a:stretch>
-            <a:fillRect/>
-          </a:stretch>
-        </p:blipFill>
-        <p:spPr>
-          <a:xfrm>
-            <a:off x="643467" y="1668506"/>
-            <a:ext cx="5294716" cy="3520986"/>
-          </a:xfrm>
-          <a:prstGeom prst="rect">
-            <a:avLst/>
-          </a:prstGeom>
-        </p:spPr>
-      </p:pic>
-      <p:cxnSp>
-        <p:nvCxnSpPr>
-          <p:cNvPr id="12" name="Straight Connector 11">
-            <a:extLst>
-              <a:ext uri="{FF2B5EF4-FFF2-40B4-BE49-F238E27FC236}">
-                <a16:creationId xmlns:a16="http://schemas.microsoft.com/office/drawing/2014/main" id="{8C730EAB-A532-4295-A302-FB4B90DB9F5E}"/>
-              </a:ext>
-            </a:extLst>
-          </p:cNvPr>
-          <p:cNvCxnSpPr>
-            <a:cxnSpLocks noGrp="1" noRot="1" noChangeAspect="1" noMove="1" noResize="1" noEditPoints="1" noAdjustHandles="1" noChangeArrowheads="1" noChangeShapeType="1"/>
-          </p:cNvCxnSpPr>
-          <p:nvPr>
-            <p:extLst>
-              <p:ext uri="{386F3935-93C4-4BCD-93E2-E3B085C9AB24}">
-                <p16:designElem xmlns:p16="http://schemas.microsoft.com/office/powerpoint/2015/main" val="1"/>
-              </p:ext>
-            </p:extLst>
-          </p:nvPr>
-        </p:nvCxnSpPr>
-        <p:spPr>
-          <a:xfrm>
-            <a:off x="6079958" y="1143000"/>
-            <a:ext cx="0" cy="4572000"/>
-          </a:xfrm>
-          <a:prstGeom prst="line">
-            <a:avLst/>
-          </a:prstGeom>
-          <a:ln>
-            <a:solidFill>
-              <a:srgbClr val="4E4E4E"/>
-            </a:solidFill>
-          </a:ln>
-        </p:spPr>
-        <p:style>
-          <a:lnRef idx="1">
-            <a:schemeClr val="accent1"/>
-          </a:lnRef>
-          <a:fillRef idx="0">
-            <a:schemeClr val="accent1"/>
-          </a:fillRef>
-          <a:effectRef idx="0">
-            <a:schemeClr val="accent1"/>
-          </a:effectRef>
-          <a:fontRef idx="minor">
-            <a:schemeClr val="tx1"/>
-          </a:fontRef>
-        </p:style>
-      </p:cxnSp>
     </p:spTree>
     <p:extLst>
       <p:ext uri="{BB962C8B-B14F-4D97-AF65-F5344CB8AC3E}">
-        <p14:creationId xmlns:p14="http://schemas.microsoft.com/office/powerpoint/2010/main" val="1409084941"/>
+        <p14:creationId xmlns="" xmlns:p14="http://schemas.microsoft.com/office/powerpoint/2010/main" val="991990233"/>
       </p:ext>
     </p:extLst>
   </p:cSld>
@@ -4198,61 +5571,244 @@
       </p:grpSpPr>
       <p:sp>
         <p:nvSpPr>
-          <p:cNvPr id="2" name="Title 1">
-            <a:extLst>
-              <a:ext uri="{FF2B5EF4-FFF2-40B4-BE49-F238E27FC236}">
-                <a16:creationId xmlns:a16="http://schemas.microsoft.com/office/drawing/2014/main" id="{2C027A42-53D2-4E17-B941-7B90075EFEBA}"/>
-              </a:ext>
-            </a:extLst>
-          </p:cNvPr>
-          <p:cNvSpPr>
-            <a:spLocks noGrp="1"/>
-          </p:cNvSpPr>
-          <p:nvPr>
-            <p:ph type="ctrTitle"/>
-          </p:nvPr>
-        </p:nvSpPr>
-        <p:spPr/>
-        <p:txBody>
-          <a:bodyPr/>
-          <a:lstStyle/>
-          <a:p>
-            <a:r>
-              <a:rPr lang="en-IE" dirty="0"/>
-              <a:t>The Back End</a:t>
-            </a:r>
-          </a:p>
-        </p:txBody>
-      </p:sp>
-      <p:sp>
-        <p:nvSpPr>
-          <p:cNvPr id="3" name="Subtitle 2">
-            <a:extLst>
-              <a:ext uri="{FF2B5EF4-FFF2-40B4-BE49-F238E27FC236}">
-                <a16:creationId xmlns:a16="http://schemas.microsoft.com/office/drawing/2014/main" id="{5E9D8A30-85B0-4450-9409-0E0BC61701AD}"/>
-              </a:ext>
-            </a:extLst>
-          </p:cNvPr>
-          <p:cNvSpPr>
-            <a:spLocks noGrp="1"/>
-          </p:cNvSpPr>
-          <p:nvPr>
-            <p:ph type="subTitle" idx="1"/>
-          </p:nvPr>
-        </p:nvSpPr>
-        <p:spPr/>
-        <p:txBody>
-          <a:bodyPr/>
-          <a:lstStyle/>
-          <a:p>
-            <a:endParaRPr lang="en-IE"/>
-          </a:p>
-        </p:txBody>
-      </p:sp>
+          <p:cNvPr id="8" name="Rectangle 7">
+            <a:extLst>
+              <a:ext uri="{FF2B5EF4-FFF2-40B4-BE49-F238E27FC236}">
+                <a16:creationId xmlns="" xmlns:a16="http://schemas.microsoft.com/office/drawing/2014/main" id="{A9F529C3-C941-49FD-8C67-82F134F64BDB}"/>
+              </a:ext>
+            </a:extLst>
+          </p:cNvPr>
+          <p:cNvSpPr>
+            <a:spLocks noGrp="1" noRot="1" noChangeAspect="1" noMove="1" noResize="1" noEditPoints="1" noAdjustHandles="1" noChangeArrowheads="1" noChangeShapeType="1" noTextEdit="1"/>
+          </p:cNvSpPr>
+          <p:nvPr>
+            <p:extLst>
+              <p:ext uri="{386F3935-93C4-4BCD-93E2-E3B085C9AB24}">
+                <p16:designElem xmlns="" xmlns:p16="http://schemas.microsoft.com/office/powerpoint/2015/main" val="1"/>
+              </p:ext>
+            </p:extLst>
+          </p:nvPr>
+        </p:nvSpPr>
+        <p:spPr>
+          <a:xfrm>
+            <a:off x="0" y="0"/>
+            <a:ext cx="12192000" cy="6858000"/>
+          </a:xfrm>
+          <a:prstGeom prst="rect">
+            <a:avLst/>
+          </a:prstGeom>
+          <a:solidFill>
+            <a:schemeClr val="bg2"/>
+          </a:solidFill>
+          <a:ln>
+            <a:noFill/>
+          </a:ln>
+        </p:spPr>
+        <p:style>
+          <a:lnRef idx="2">
+            <a:schemeClr val="accent1">
+              <a:shade val="50000"/>
+            </a:schemeClr>
+          </a:lnRef>
+          <a:fillRef idx="1">
+            <a:schemeClr val="accent1"/>
+          </a:fillRef>
+          <a:effectRef idx="0">
+            <a:schemeClr val="accent1"/>
+          </a:effectRef>
+          <a:fontRef idx="minor">
+            <a:schemeClr val="lt1"/>
+          </a:fontRef>
+        </p:style>
+        <p:txBody>
+          <a:bodyPr rtlCol="0" anchor="ctr"/>
+          <a:lstStyle/>
+          <a:p>
+            <a:pPr algn="ctr"/>
+            <a:endParaRPr lang="en-US"/>
+          </a:p>
+        </p:txBody>
+      </p:sp>
+      <p:sp>
+        <p:nvSpPr>
+          <p:cNvPr id="10" name="Rectangle 9">
+            <a:extLst>
+              <a:ext uri="{FF2B5EF4-FFF2-40B4-BE49-F238E27FC236}">
+                <a16:creationId xmlns="" xmlns:a16="http://schemas.microsoft.com/office/drawing/2014/main" id="{20586029-32A0-47E5-9AEC-AE3ABA6B94D0}"/>
+              </a:ext>
+            </a:extLst>
+          </p:cNvPr>
+          <p:cNvSpPr>
+            <a:spLocks noGrp="1" noRot="1" noChangeAspect="1" noMove="1" noResize="1" noEditPoints="1" noAdjustHandles="1" noChangeArrowheads="1" noChangeShapeType="1" noTextEdit="1"/>
+          </p:cNvSpPr>
+          <p:nvPr>
+            <p:extLst>
+              <p:ext uri="{386F3935-93C4-4BCD-93E2-E3B085C9AB24}">
+                <p16:designElem xmlns="" xmlns:p16="http://schemas.microsoft.com/office/powerpoint/2015/main" val="1"/>
+              </p:ext>
+            </p:extLst>
+          </p:nvPr>
+        </p:nvSpPr>
+        <p:spPr>
+          <a:xfrm>
+            <a:off x="477012" y="480060"/>
+            <a:ext cx="11237976" cy="5897880"/>
+          </a:xfrm>
+          <a:prstGeom prst="rect">
+            <a:avLst/>
+          </a:prstGeom>
+          <a:solidFill>
+            <a:srgbClr val="FFFFFF"/>
+          </a:solidFill>
+          <a:ln w="9525">
+            <a:noFill/>
+          </a:ln>
+          <a:effectLst>
+            <a:outerShdw blurRad="63500" dist="17780" dir="5400000" algn="t" rotWithShape="0">
+              <a:prstClr val="black">
+                <a:alpha val="43000"/>
+              </a:prstClr>
+            </a:outerShdw>
+          </a:effectLst>
+        </p:spPr>
+        <p:style>
+          <a:lnRef idx="2">
+            <a:schemeClr val="accent1">
+              <a:shade val="50000"/>
+            </a:schemeClr>
+          </a:lnRef>
+          <a:fillRef idx="1">
+            <a:schemeClr val="accent1"/>
+          </a:fillRef>
+          <a:effectRef idx="0">
+            <a:schemeClr val="accent1"/>
+          </a:effectRef>
+          <a:fontRef idx="minor">
+            <a:schemeClr val="lt1"/>
+          </a:fontRef>
+        </p:style>
+        <p:txBody>
+          <a:bodyPr rtlCol="0" anchor="ctr"/>
+          <a:lstStyle/>
+          <a:p>
+            <a:pPr algn="ctr"/>
+            <a:endParaRPr lang="en-US"/>
+          </a:p>
+        </p:txBody>
+      </p:sp>
+      <p:pic>
+        <p:nvPicPr>
+          <p:cNvPr id="3" name="Picture 2" descr="A screenshot of a cell phone&#10;&#10;Description generated with very high confidence">
+            <a:extLst>
+              <a:ext uri="{FF2B5EF4-FFF2-40B4-BE49-F238E27FC236}">
+                <a16:creationId xmlns="" xmlns:a16="http://schemas.microsoft.com/office/drawing/2014/main" id="{F308D8DE-9F1A-4F12-94C9-1F783D4940FE}"/>
+              </a:ext>
+            </a:extLst>
+          </p:cNvPr>
+          <p:cNvPicPr>
+            <a:picLocks noChangeAspect="1"/>
+          </p:cNvPicPr>
+          <p:nvPr/>
+        </p:nvPicPr>
+        <p:blipFill>
+          <a:blip r:embed="rId2"/>
+          <a:stretch>
+            <a:fillRect/>
+          </a:stretch>
+        </p:blipFill>
+        <p:spPr>
+          <a:xfrm>
+            <a:off x="6253817" y="1562613"/>
+            <a:ext cx="5294715" cy="3732773"/>
+          </a:xfrm>
+          <a:prstGeom prst="rect">
+            <a:avLst/>
+          </a:prstGeom>
+        </p:spPr>
+      </p:pic>
+      <p:pic>
+        <p:nvPicPr>
+          <p:cNvPr id="2" name="Picture 1" descr="A screenshot of a cell phone&#10;&#10;Description generated with very high confidence">
+            <a:extLst>
+              <a:ext uri="{FF2B5EF4-FFF2-40B4-BE49-F238E27FC236}">
+                <a16:creationId xmlns="" xmlns:a16="http://schemas.microsoft.com/office/drawing/2014/main" id="{7122524B-0806-4D7B-A391-03798556DF55}"/>
+              </a:ext>
+            </a:extLst>
+          </p:cNvPr>
+          <p:cNvPicPr>
+            <a:picLocks noChangeAspect="1"/>
+          </p:cNvPicPr>
+          <p:nvPr/>
+        </p:nvPicPr>
+        <p:blipFill>
+          <a:blip r:embed="rId3"/>
+          <a:stretch>
+            <a:fillRect/>
+          </a:stretch>
+        </p:blipFill>
+        <p:spPr>
+          <a:xfrm>
+            <a:off x="643467" y="1668506"/>
+            <a:ext cx="5294716" cy="3520986"/>
+          </a:xfrm>
+          <a:prstGeom prst="rect">
+            <a:avLst/>
+          </a:prstGeom>
+        </p:spPr>
+      </p:pic>
+      <p:cxnSp>
+        <p:nvCxnSpPr>
+          <p:cNvPr id="12" name="Straight Connector 11">
+            <a:extLst>
+              <a:ext uri="{FF2B5EF4-FFF2-40B4-BE49-F238E27FC236}">
+                <a16:creationId xmlns="" xmlns:a16="http://schemas.microsoft.com/office/drawing/2014/main" id="{8C730EAB-A532-4295-A302-FB4B90DB9F5E}"/>
+              </a:ext>
+            </a:extLst>
+          </p:cNvPr>
+          <p:cNvCxnSpPr>
+            <a:cxnSpLocks noGrp="1" noRot="1" noChangeAspect="1" noMove="1" noResize="1" noEditPoints="1" noAdjustHandles="1" noChangeArrowheads="1" noChangeShapeType="1"/>
+          </p:cNvCxnSpPr>
+          <p:nvPr>
+            <p:extLst>
+              <p:ext uri="{386F3935-93C4-4BCD-93E2-E3B085C9AB24}">
+                <p16:designElem xmlns="" xmlns:p16="http://schemas.microsoft.com/office/powerpoint/2015/main" val="1"/>
+              </p:ext>
+            </p:extLst>
+          </p:nvPr>
+        </p:nvCxnSpPr>
+        <p:spPr>
+          <a:xfrm>
+            <a:off x="6079958" y="1143000"/>
+            <a:ext cx="0" cy="4572000"/>
+          </a:xfrm>
+          <a:prstGeom prst="line">
+            <a:avLst/>
+          </a:prstGeom>
+          <a:ln>
+            <a:solidFill>
+              <a:srgbClr val="4E4E4E"/>
+            </a:solidFill>
+          </a:ln>
+        </p:spPr>
+        <p:style>
+          <a:lnRef idx="1">
+            <a:schemeClr val="accent1"/>
+          </a:lnRef>
+          <a:fillRef idx="0">
+            <a:schemeClr val="accent1"/>
+          </a:fillRef>
+          <a:effectRef idx="0">
+            <a:schemeClr val="accent1"/>
+          </a:effectRef>
+          <a:fontRef idx="minor">
+            <a:schemeClr val="tx1"/>
+          </a:fontRef>
+        </p:style>
+      </p:cxnSp>
     </p:spTree>
     <p:extLst>
       <p:ext uri="{BB962C8B-B14F-4D97-AF65-F5344CB8AC3E}">
-        <p14:creationId xmlns:p14="http://schemas.microsoft.com/office/powerpoint/2010/main" val="3433053869"/>
+        <p14:creationId xmlns="" xmlns:p14="http://schemas.microsoft.com/office/powerpoint/2010/main" val="1409084941"/>
       </p:ext>
     </p:extLst>
   </p:cSld>
@@ -4284,15 +5840,15 @@
           <p:cNvPr id="2" name="Title 1">
             <a:extLst>
               <a:ext uri="{FF2B5EF4-FFF2-40B4-BE49-F238E27FC236}">
-                <a16:creationId xmlns:a16="http://schemas.microsoft.com/office/drawing/2014/main" id="{31004488-5648-4321-BD10-2F3A10E551B9}"/>
-              </a:ext>
-            </a:extLst>
-          </p:cNvPr>
-          <p:cNvSpPr>
-            <a:spLocks noGrp="1"/>
-          </p:cNvSpPr>
-          <p:nvPr>
-            <p:ph type="title"/>
+                <a16:creationId xmlns="" xmlns:a16="http://schemas.microsoft.com/office/drawing/2014/main" id="{2C027A42-53D2-4E17-B941-7B90075EFEBA}"/>
+              </a:ext>
+            </a:extLst>
+          </p:cNvPr>
+          <p:cNvSpPr>
+            <a:spLocks noGrp="1"/>
+          </p:cNvSpPr>
+          <p:nvPr>
+            <p:ph type="ctrTitle"/>
           </p:nvPr>
         </p:nvSpPr>
         <p:spPr/>
@@ -4300,24 +5856,27 @@
           <a:bodyPr/>
           <a:lstStyle/>
           <a:p>
-            <a:endParaRPr lang="en-IE"/>
-          </a:p>
-        </p:txBody>
-      </p:sp>
-      <p:sp>
-        <p:nvSpPr>
-          <p:cNvPr id="3" name="Content Placeholder 2">
-            <a:extLst>
-              <a:ext uri="{FF2B5EF4-FFF2-40B4-BE49-F238E27FC236}">
-                <a16:creationId xmlns:a16="http://schemas.microsoft.com/office/drawing/2014/main" id="{D54C0326-96B0-4CAD-B0A1-E6F49323EAE4}"/>
-              </a:ext>
-            </a:extLst>
-          </p:cNvPr>
-          <p:cNvSpPr>
-            <a:spLocks noGrp="1"/>
-          </p:cNvSpPr>
-          <p:nvPr>
-            <p:ph idx="1"/>
+            <a:r>
+              <a:rPr lang="en-IE" dirty="0"/>
+              <a:t>The Back End</a:t>
+            </a:r>
+          </a:p>
+        </p:txBody>
+      </p:sp>
+      <p:sp>
+        <p:nvSpPr>
+          <p:cNvPr id="3" name="Subtitle 2">
+            <a:extLst>
+              <a:ext uri="{FF2B5EF4-FFF2-40B4-BE49-F238E27FC236}">
+                <a16:creationId xmlns="" xmlns:a16="http://schemas.microsoft.com/office/drawing/2014/main" id="{5E9D8A30-85B0-4450-9409-0E0BC61701AD}"/>
+              </a:ext>
+            </a:extLst>
+          </p:cNvPr>
+          <p:cNvSpPr>
+            <a:spLocks noGrp="1"/>
+          </p:cNvSpPr>
+          <p:nvPr>
+            <p:ph type="subTitle" idx="1"/>
           </p:nvPr>
         </p:nvSpPr>
         <p:spPr/>
@@ -4325,14 +5884,25 @@
           <a:bodyPr/>
           <a:lstStyle/>
           <a:p>
-            <a:endParaRPr lang="en-IE"/>
+            <a:r>
+              <a:rPr lang="en-IE" dirty="0"/>
+              <a:t>Carl </a:t>
+            </a:r>
+            <a:r>
+              <a:rPr lang="en-IE" dirty="0" smtClean="0"/>
+              <a:t>Taylor + </a:t>
+            </a:r>
+            <a:r>
+              <a:rPr lang="en-US" dirty="0" smtClean="0"/>
+              <a:t>Felix Ogiehor</a:t>
+            </a:r>
           </a:p>
         </p:txBody>
       </p:sp>
     </p:spTree>
     <p:extLst>
       <p:ext uri="{BB962C8B-B14F-4D97-AF65-F5344CB8AC3E}">
-        <p14:creationId xmlns:p14="http://schemas.microsoft.com/office/powerpoint/2010/main" val="484226145"/>
+        <p14:creationId xmlns="" xmlns:p14="http://schemas.microsoft.com/office/powerpoint/2010/main" val="3433053869"/>
       </p:ext>
     </p:extLst>
   </p:cSld>
@@ -4385,7 +5955,7 @@
     </a:clrScheme>
     <a:fontScheme name="Office">
       <a:majorFont>
-        <a:latin typeface="Calibri Light" panose="020F0302020204030204"/>
+        <a:latin typeface="Calibri Light"/>
         <a:ea typeface=""/>
         <a:cs typeface=""/>
         <a:font script="Jpan" typeface="游ゴシック Light"/>
@@ -4437,7 +6007,7 @@
         <a:font script="Tfng" typeface="Ebrima"/>
       </a:majorFont>
       <a:minorFont>
-        <a:latin typeface="Calibri" panose="020F0502020204030204"/>
+        <a:latin typeface="Calibri"/>
         <a:ea typeface=""/>
         <a:cs typeface=""/>
         <a:font script="Jpan" typeface="游ゴシック"/>
@@ -4631,7 +6201,7 @@
   <a:extraClrSchemeLst/>
   <a:extLst>
     <a:ext uri="{05A4C25C-085E-4340-85A3-A5531E510DB2}">
-      <thm15:themeFamily xmlns:thm15="http://schemas.microsoft.com/office/thememl/2012/main" name="Office Theme" id="{62F939B6-93AF-4DB8-9C6B-D6C7DFDC589F}" vid="{4A3C46E8-61CC-4603-A589-7422A47A8E4A}"/>
+      <thm15:themeFamily xmlns="" xmlns:thm15="http://schemas.microsoft.com/office/thememl/2012/main" name="Office Theme" id="{62F939B6-93AF-4DB8-9C6B-D6C7DFDC589F}" vid="{4A3C46E8-61CC-4603-A589-7422A47A8E4A}"/>
     </a:ext>
   </a:extLst>
 </a:theme>
